--- a/Ilya/Цели Задачи.pptx
+++ b/Ilya/Цели Задачи.pptx
@@ -5,18 +5,7 @@
     <p:sldMasterId id="2147483648" r:id="rId1"/>
   </p:sldMasterIdLst>
   <p:sldIdLst>
-    <p:sldId id="256" r:id="rId2"/>
-    <p:sldId id="257" r:id="rId3"/>
-    <p:sldId id="263" r:id="rId4"/>
-    <p:sldId id="271" r:id="rId5"/>
-    <p:sldId id="270" r:id="rId6"/>
-    <p:sldId id="261" r:id="rId7"/>
-    <p:sldId id="262" r:id="rId8"/>
-    <p:sldId id="266" r:id="rId9"/>
-    <p:sldId id="264" r:id="rId10"/>
-    <p:sldId id="265" r:id="rId11"/>
-    <p:sldId id="272" r:id="rId12"/>
-    <p:sldId id="269" r:id="rId13"/>
+    <p:sldId id="263" r:id="rId2"/>
   </p:sldIdLst>
   <p:sldSz cx="9144000" cy="5143500" type="screen16x9"/>
   <p:notesSz cx="6858000" cy="9144000"/>
@@ -313,7 +302,7 @@
           <a:p>
             <a:fld id="{52C21B46-E778-4D2C-977D-2F106A44399C}" type="datetimeFigureOut">
               <a:rPr lang="ru-RU" smtClean="0"/>
-              <a:t>24.03.2022</a:t>
+              <a:t>04.04.2022</a:t>
             </a:fld>
             <a:endParaRPr lang="ru-RU"/>
           </a:p>
@@ -481,7 +470,7 @@
           <a:p>
             <a:fld id="{52C21B46-E778-4D2C-977D-2F106A44399C}" type="datetimeFigureOut">
               <a:rPr lang="ru-RU" smtClean="0"/>
-              <a:t>24.03.2022</a:t>
+              <a:t>04.04.2022</a:t>
             </a:fld>
             <a:endParaRPr lang="ru-RU"/>
           </a:p>
@@ -659,7 +648,7 @@
           <a:p>
             <a:fld id="{52C21B46-E778-4D2C-977D-2F106A44399C}" type="datetimeFigureOut">
               <a:rPr lang="ru-RU" smtClean="0"/>
-              <a:t>24.03.2022</a:t>
+              <a:t>04.04.2022</a:t>
             </a:fld>
             <a:endParaRPr lang="ru-RU"/>
           </a:p>
@@ -827,7 +816,7 @@
           <a:p>
             <a:fld id="{52C21B46-E778-4D2C-977D-2F106A44399C}" type="datetimeFigureOut">
               <a:rPr lang="ru-RU" smtClean="0"/>
-              <a:t>24.03.2022</a:t>
+              <a:t>04.04.2022</a:t>
             </a:fld>
             <a:endParaRPr lang="ru-RU"/>
           </a:p>
@@ -1072,7 +1061,7 @@
           <a:p>
             <a:fld id="{52C21B46-E778-4D2C-977D-2F106A44399C}" type="datetimeFigureOut">
               <a:rPr lang="ru-RU" smtClean="0"/>
-              <a:t>24.03.2022</a:t>
+              <a:t>04.04.2022</a:t>
             </a:fld>
             <a:endParaRPr lang="ru-RU"/>
           </a:p>
@@ -1357,7 +1346,7 @@
           <a:p>
             <a:fld id="{52C21B46-E778-4D2C-977D-2F106A44399C}" type="datetimeFigureOut">
               <a:rPr lang="ru-RU" smtClean="0"/>
-              <a:t>24.03.2022</a:t>
+              <a:t>04.04.2022</a:t>
             </a:fld>
             <a:endParaRPr lang="ru-RU"/>
           </a:p>
@@ -1781,7 +1770,7 @@
           <a:p>
             <a:fld id="{52C21B46-E778-4D2C-977D-2F106A44399C}" type="datetimeFigureOut">
               <a:rPr lang="ru-RU" smtClean="0"/>
-              <a:t>24.03.2022</a:t>
+              <a:t>04.04.2022</a:t>
             </a:fld>
             <a:endParaRPr lang="ru-RU"/>
           </a:p>
@@ -1898,7 +1887,7 @@
           <a:p>
             <a:fld id="{52C21B46-E778-4D2C-977D-2F106A44399C}" type="datetimeFigureOut">
               <a:rPr lang="ru-RU" smtClean="0"/>
-              <a:t>24.03.2022</a:t>
+              <a:t>04.04.2022</a:t>
             </a:fld>
             <a:endParaRPr lang="ru-RU"/>
           </a:p>
@@ -1993,7 +1982,7 @@
           <a:p>
             <a:fld id="{52C21B46-E778-4D2C-977D-2F106A44399C}" type="datetimeFigureOut">
               <a:rPr lang="ru-RU" smtClean="0"/>
-              <a:t>24.03.2022</a:t>
+              <a:t>04.04.2022</a:t>
             </a:fld>
             <a:endParaRPr lang="ru-RU"/>
           </a:p>
@@ -2268,7 +2257,7 @@
           <a:p>
             <a:fld id="{52C21B46-E778-4D2C-977D-2F106A44399C}" type="datetimeFigureOut">
               <a:rPr lang="ru-RU" smtClean="0"/>
-              <a:t>24.03.2022</a:t>
+              <a:t>04.04.2022</a:t>
             </a:fld>
             <a:endParaRPr lang="ru-RU"/>
           </a:p>
@@ -2520,7 +2509,7 @@
           <a:p>
             <a:fld id="{52C21B46-E778-4D2C-977D-2F106A44399C}" type="datetimeFigureOut">
               <a:rPr lang="ru-RU" smtClean="0"/>
-              <a:t>24.03.2022</a:t>
+              <a:t>04.04.2022</a:t>
             </a:fld>
             <a:endParaRPr lang="ru-RU"/>
           </a:p>
@@ -2731,7 +2720,7 @@
           <a:p>
             <a:fld id="{52C21B46-E778-4D2C-977D-2F106A44399C}" type="datetimeFigureOut">
               <a:rPr lang="ru-RU" smtClean="0"/>
-              <a:t>24.03.2022</a:t>
+              <a:t>04.04.2022</a:t>
             </a:fld>
             <a:endParaRPr lang="ru-RU"/>
           </a:p>
@@ -3108,320 +3097,10 @@
       </p:grpSpPr>
       <p:pic>
         <p:nvPicPr>
-          <p:cNvPr id="16" name="Рисунок 15">
+          <p:cNvPr id="9" name="Рисунок 8">
             <a:extLst>
               <a:ext uri="{FF2B5EF4-FFF2-40B4-BE49-F238E27FC236}">
-                <a16:creationId xmlns:a16="http://schemas.microsoft.com/office/drawing/2014/main" id="{FE6EDAAE-B920-4C3E-BBEF-9D3BCA066CE5}"/>
-              </a:ext>
-            </a:extLst>
-          </p:cNvPr>
-          <p:cNvPicPr>
-            <a:picLocks noChangeAspect="1"/>
-          </p:cNvPicPr>
-          <p:nvPr/>
-        </p:nvPicPr>
-        <p:blipFill rotWithShape="1">
-          <a:blip r:embed="rId2">
-            <a:extLst>
-              <a:ext uri="{28A0092B-C50C-407E-A947-70E740481C1C}">
-                <a14:useLocalDpi xmlns:a14="http://schemas.microsoft.com/office/drawing/2010/main" val="0"/>
-              </a:ext>
-            </a:extLst>
-          </a:blip>
-          <a:srcRect b="19201"/>
-          <a:stretch/>
-        </p:blipFill>
-        <p:spPr>
-          <a:xfrm>
-            <a:off x="0" y="0"/>
-            <a:ext cx="9144000" cy="4155926"/>
-          </a:xfrm>
-          <a:prstGeom prst="rect">
-            <a:avLst/>
-          </a:prstGeom>
-        </p:spPr>
-      </p:pic>
-      <p:pic>
-        <p:nvPicPr>
-          <p:cNvPr id="10" name="Рисунок 9"/>
-          <p:cNvPicPr>
-            <a:picLocks noChangeAspect="1"/>
-          </p:cNvPicPr>
-          <p:nvPr/>
-        </p:nvPicPr>
-        <p:blipFill>
-          <a:blip r:embed="rId3" cstate="print">
-            <a:extLst>
-              <a:ext uri="{28A0092B-C50C-407E-A947-70E740481C1C}">
-                <a14:useLocalDpi xmlns:a14="http://schemas.microsoft.com/office/drawing/2010/main" val="0"/>
-              </a:ext>
-            </a:extLst>
-          </a:blip>
-          <a:stretch>
-            <a:fillRect/>
-          </a:stretch>
-        </p:blipFill>
-        <p:spPr>
-          <a:xfrm>
-            <a:off x="345114" y="1347614"/>
-            <a:ext cx="2287412" cy="2287412"/>
-          </a:xfrm>
-          <a:prstGeom prst="rect">
-            <a:avLst/>
-          </a:prstGeom>
-        </p:spPr>
-      </p:pic>
-      <p:sp>
-        <p:nvSpPr>
-          <p:cNvPr id="6" name="TextBox 5"/>
-          <p:cNvSpPr txBox="1"/>
-          <p:nvPr/>
-        </p:nvSpPr>
-        <p:spPr>
-          <a:xfrm>
-            <a:off x="476633" y="51470"/>
-            <a:ext cx="4815448" cy="1015663"/>
-          </a:xfrm>
-          <a:prstGeom prst="rect">
-            <a:avLst/>
-          </a:prstGeom>
-          <a:noFill/>
-        </p:spPr>
-        <p:txBody>
-          <a:bodyPr wrap="square" rtlCol="0">
-            <a:spAutoFit/>
-          </a:bodyPr>
-          <a:lstStyle/>
-          <a:p>
-            <a:r>
-              <a:rPr lang="ru-RU" sz="2000" b="1" dirty="0">
-                <a:solidFill>
-                  <a:schemeClr val="bg1"/>
-                </a:solidFill>
-              </a:rPr>
-              <a:t>Космическая смена «Сириус 2022»</a:t>
-            </a:r>
-          </a:p>
-          <a:p>
-            <a:r>
-              <a:rPr lang="ru-RU" sz="2000" dirty="0">
-                <a:solidFill>
-                  <a:schemeClr val="bg1"/>
-                </a:solidFill>
-                <a:cs typeface="Adobe Hebrew" pitchFamily="18" charset="-79"/>
-              </a:rPr>
-              <a:t>01</a:t>
-            </a:r>
-            <a:r>
-              <a:rPr lang="en-US" sz="2000" dirty="0">
-                <a:solidFill>
-                  <a:schemeClr val="bg1"/>
-                </a:solidFill>
-                <a:cs typeface="Adobe Hebrew" pitchFamily="18" charset="-79"/>
-              </a:rPr>
-              <a:t>-</a:t>
-            </a:r>
-            <a:r>
-              <a:rPr lang="ru-RU" sz="2000" dirty="0">
-                <a:solidFill>
-                  <a:schemeClr val="bg1"/>
-                </a:solidFill>
-                <a:cs typeface="Adobe Hebrew" pitchFamily="18" charset="-79"/>
-              </a:rPr>
-              <a:t>15</a:t>
-            </a:r>
-            <a:r>
-              <a:rPr lang="en-US" sz="2000" dirty="0">
-                <a:solidFill>
-                  <a:schemeClr val="bg1"/>
-                </a:solidFill>
-                <a:cs typeface="Adobe Hebrew" pitchFamily="18" charset="-79"/>
-              </a:rPr>
-              <a:t> </a:t>
-            </a:r>
-            <a:r>
-              <a:rPr lang="ru-RU" sz="2000" dirty="0">
-                <a:solidFill>
-                  <a:schemeClr val="bg1"/>
-                </a:solidFill>
-                <a:cs typeface="Adobe Hebrew" pitchFamily="18" charset="-79"/>
-              </a:rPr>
-              <a:t>апреля 2022г.</a:t>
-            </a:r>
-          </a:p>
-          <a:p>
-            <a:endParaRPr lang="ru-RU" sz="2000" b="1" dirty="0">
-              <a:solidFill>
-                <a:schemeClr val="bg1"/>
-              </a:solidFill>
-            </a:endParaRPr>
-          </a:p>
-        </p:txBody>
-      </p:sp>
-      <p:sp>
-        <p:nvSpPr>
-          <p:cNvPr id="12" name="TextBox 11"/>
-          <p:cNvSpPr txBox="1"/>
-          <p:nvPr/>
-        </p:nvSpPr>
-        <p:spPr>
-          <a:xfrm>
-            <a:off x="3131840" y="1347614"/>
-            <a:ext cx="4815448" cy="954107"/>
-          </a:xfrm>
-          <a:prstGeom prst="rect">
-            <a:avLst/>
-          </a:prstGeom>
-          <a:noFill/>
-        </p:spPr>
-        <p:txBody>
-          <a:bodyPr wrap="square" rtlCol="0">
-            <a:spAutoFit/>
-          </a:bodyPr>
-          <a:lstStyle/>
-          <a:p>
-            <a:r>
-              <a:rPr lang="ru-RU" sz="2800" b="1" dirty="0">
-                <a:solidFill>
-                  <a:schemeClr val="bg1"/>
-                </a:solidFill>
-              </a:rPr>
-              <a:t>Название проекта</a:t>
-            </a:r>
-            <a:endParaRPr lang="ru-RU" sz="2800" dirty="0">
-              <a:solidFill>
-                <a:schemeClr val="bg1"/>
-              </a:solidFill>
-              <a:cs typeface="Adobe Hebrew" pitchFamily="18" charset="-79"/>
-            </a:endParaRPr>
-          </a:p>
-          <a:p>
-            <a:endParaRPr lang="ru-RU" sz="2800" b="1" dirty="0">
-              <a:solidFill>
-                <a:schemeClr val="bg1"/>
-              </a:solidFill>
-            </a:endParaRPr>
-          </a:p>
-        </p:txBody>
-      </p:sp>
-      <p:sp>
-        <p:nvSpPr>
-          <p:cNvPr id="13" name="TextBox 12"/>
-          <p:cNvSpPr txBox="1"/>
-          <p:nvPr/>
-        </p:nvSpPr>
-        <p:spPr>
-          <a:xfrm>
-            <a:off x="3131840" y="1995686"/>
-            <a:ext cx="4815448" cy="400110"/>
-          </a:xfrm>
-          <a:prstGeom prst="rect">
-            <a:avLst/>
-          </a:prstGeom>
-          <a:noFill/>
-        </p:spPr>
-        <p:txBody>
-          <a:bodyPr wrap="square" rtlCol="0">
-            <a:spAutoFit/>
-          </a:bodyPr>
-          <a:lstStyle/>
-          <a:p>
-            <a:r>
-              <a:rPr lang="ru-RU" sz="2000" b="1" dirty="0">
-                <a:solidFill>
-                  <a:schemeClr val="bg1"/>
-                </a:solidFill>
-              </a:rPr>
-              <a:t>Название команды:</a:t>
-            </a:r>
-          </a:p>
-        </p:txBody>
-      </p:sp>
-      <p:sp>
-        <p:nvSpPr>
-          <p:cNvPr id="14" name="TextBox 13"/>
-          <p:cNvSpPr txBox="1"/>
-          <p:nvPr/>
-        </p:nvSpPr>
-        <p:spPr>
-          <a:xfrm>
-            <a:off x="3163357" y="3221669"/>
-            <a:ext cx="4815448" cy="707886"/>
-          </a:xfrm>
-          <a:prstGeom prst="rect">
-            <a:avLst/>
-          </a:prstGeom>
-          <a:noFill/>
-        </p:spPr>
-        <p:txBody>
-          <a:bodyPr wrap="square" rtlCol="0">
-            <a:spAutoFit/>
-          </a:bodyPr>
-          <a:lstStyle/>
-          <a:p>
-            <a:r>
-              <a:rPr lang="ru-RU" sz="2000" dirty="0">
-                <a:solidFill>
-                  <a:schemeClr val="bg1"/>
-                </a:solidFill>
-              </a:rPr>
-              <a:t>Направление программы</a:t>
-            </a:r>
-            <a:endParaRPr lang="ru-RU" sz="2000" dirty="0">
-              <a:solidFill>
-                <a:schemeClr val="bg1"/>
-              </a:solidFill>
-              <a:cs typeface="Adobe Hebrew" pitchFamily="18" charset="-79"/>
-            </a:endParaRPr>
-          </a:p>
-          <a:p>
-            <a:endParaRPr lang="ru-RU" sz="2000" dirty="0">
-              <a:solidFill>
-                <a:schemeClr val="bg1"/>
-              </a:solidFill>
-            </a:endParaRPr>
-          </a:p>
-        </p:txBody>
-      </p:sp>
-      <p:sp>
-        <p:nvSpPr>
-          <p:cNvPr id="2" name="Прямоугольник 1"/>
-          <p:cNvSpPr/>
-          <p:nvPr/>
-        </p:nvSpPr>
-        <p:spPr>
-          <a:xfrm>
-            <a:off x="6528444" y="236135"/>
-            <a:ext cx="2353529" cy="1107996"/>
-          </a:xfrm>
-          <a:prstGeom prst="rect">
-            <a:avLst/>
-          </a:prstGeom>
-        </p:spPr>
-        <p:txBody>
-          <a:bodyPr wrap="none">
-            <a:spAutoFit/>
-          </a:bodyPr>
-          <a:lstStyle/>
-          <a:p>
-            <a:r>
-              <a:rPr lang="ru-RU" sz="6600" b="1" dirty="0">
-                <a:solidFill>
-                  <a:schemeClr val="bg1"/>
-                </a:solidFill>
-                <a:cs typeface="Adobe Hebrew" pitchFamily="18" charset="-79"/>
-              </a:rPr>
-              <a:t>№ :00</a:t>
-            </a:r>
-          </a:p>
-        </p:txBody>
-      </p:sp>
-      <p:pic>
-        <p:nvPicPr>
-          <p:cNvPr id="4" name="Рисунок 3">
-            <a:extLst>
-              <a:ext uri="{FF2B5EF4-FFF2-40B4-BE49-F238E27FC236}">
-                <a16:creationId xmlns:a16="http://schemas.microsoft.com/office/drawing/2014/main" id="{9760A081-0B9B-41EC-8F3E-225BA65D4B42}"/>
+                <a16:creationId xmlns:a16="http://schemas.microsoft.com/office/drawing/2014/main" id="{7A5F043E-B73D-4EAD-995D-11ACD2716154}"/>
               </a:ext>
             </a:extLst>
           </p:cNvPr>
@@ -3431,51 +3110,76 @@
           <p:nvPr/>
         </p:nvPicPr>
         <p:blipFill>
-          <a:blip r:embed="rId4"/>
+          <a:blip r:embed="rId2"/>
           <a:stretch>
             <a:fillRect/>
           </a:stretch>
         </p:blipFill>
         <p:spPr>
           <a:xfrm>
-            <a:off x="251520" y="4474273"/>
-            <a:ext cx="8694712" cy="396489"/>
+            <a:off x="4005860" y="655202"/>
+            <a:ext cx="8387300" cy="4673838"/>
           </a:xfrm>
           <a:prstGeom prst="rect">
             <a:avLst/>
           </a:prstGeom>
         </p:spPr>
       </p:pic>
-    </p:spTree>
-    <p:extLst>
-      <p:ext uri="{BB962C8B-B14F-4D97-AF65-F5344CB8AC3E}">
-        <p14:creationId xmlns:p14="http://schemas.microsoft.com/office/powerpoint/2010/main" val="1011059875"/>
-      </p:ext>
-    </p:extLst>
-  </p:cSld>
-  <p:clrMapOvr>
-    <a:masterClrMapping/>
-  </p:clrMapOvr>
-</p:sld>
-</file>
-
-<file path=ppt/slides/slide10.xml><?xml version="1.0" encoding="utf-8"?>
-<p:sld xmlns:a="http://schemas.openxmlformats.org/drawingml/2006/main" xmlns:r="http://schemas.openxmlformats.org/officeDocument/2006/relationships" xmlns:p="http://schemas.openxmlformats.org/presentationml/2006/main">
-  <p:cSld>
-    <p:spTree>
-      <p:nvGrpSpPr>
-        <p:cNvPr id="1" name=""/>
-        <p:cNvGrpSpPr/>
-        <p:nvPr/>
-      </p:nvGrpSpPr>
-      <p:grpSpPr>
-        <a:xfrm>
-          <a:off x="0" y="0"/>
-          <a:ext cx="0" cy="0"/>
-          <a:chOff x="0" y="0"/>
-          <a:chExt cx="0" cy="0"/>
-        </a:xfrm>
-      </p:grpSpPr>
+      <p:sp>
+        <p:nvSpPr>
+          <p:cNvPr id="3" name="Двойная волна 2">
+            <a:extLst>
+              <a:ext uri="{FF2B5EF4-FFF2-40B4-BE49-F238E27FC236}">
+                <a16:creationId xmlns:a16="http://schemas.microsoft.com/office/drawing/2014/main" id="{8660F541-17DB-4B53-9C89-F69AB92C470F}"/>
+              </a:ext>
+            </a:extLst>
+          </p:cNvPr>
+          <p:cNvSpPr/>
+          <p:nvPr/>
+        </p:nvSpPr>
+        <p:spPr>
+          <a:xfrm rot="18049866">
+            <a:off x="-1638332" y="-2815770"/>
+            <a:ext cx="9685507" cy="9079475"/>
+          </a:xfrm>
+          <a:prstGeom prst="doubleWave">
+            <a:avLst/>
+          </a:prstGeom>
+          <a:solidFill>
+            <a:schemeClr val="tx1">
+              <a:lumMod val="85000"/>
+              <a:lumOff val="15000"/>
+            </a:schemeClr>
+          </a:solidFill>
+          <a:ln>
+            <a:noFill/>
+          </a:ln>
+        </p:spPr>
+        <p:style>
+          <a:lnRef idx="2">
+            <a:schemeClr val="accent1">
+              <a:shade val="50000"/>
+            </a:schemeClr>
+          </a:lnRef>
+          <a:fillRef idx="1">
+            <a:schemeClr val="accent1"/>
+          </a:fillRef>
+          <a:effectRef idx="0">
+            <a:schemeClr val="accent1"/>
+          </a:effectRef>
+          <a:fontRef idx="minor">
+            <a:schemeClr val="lt1"/>
+          </a:fontRef>
+        </p:style>
+        <p:txBody>
+          <a:bodyPr rtlCol="0" anchor="ctr"/>
+          <a:lstStyle/>
+          <a:p>
+            <a:pPr algn="ctr"/>
+            <a:endParaRPr lang="ru-RU"/>
+          </a:p>
+        </p:txBody>
+      </p:sp>
       <p:sp>
         <p:nvSpPr>
           <p:cNvPr id="2" name="Заголовок 1"/>
@@ -3488,29 +3192,32 @@
         </p:nvSpPr>
         <p:spPr>
           <a:xfrm>
-            <a:off x="1403648" y="43913"/>
+            <a:off x="2215369" y="70426"/>
             <a:ext cx="6768752" cy="857250"/>
           </a:xfrm>
         </p:spPr>
         <p:txBody>
           <a:bodyPr>
-            <a:normAutofit/>
+            <a:noAutofit/>
           </a:bodyPr>
           <a:lstStyle/>
           <a:p>
-            <a:r>
-              <a:rPr lang="ru-RU" b="1" dirty="0">
+            <a:pPr algn="l"/>
+            <a:r>
+              <a:rPr lang="ru-RU" sz="2800" b="1" dirty="0">
                 <a:solidFill>
-                  <a:srgbClr val="7030A0"/>
+                  <a:srgbClr val="CC99FF"/>
                 </a:solidFill>
+                <a:latin typeface="Circe Light" panose="020B0402020203020203" pitchFamily="34" charset="-52"/>
                 <a:cs typeface="Adobe Hebrew" pitchFamily="18" charset="-79"/>
               </a:rPr>
-              <a:t>Результаты проекта</a:t>
-            </a:r>
-            <a:endParaRPr lang="ru-RU" sz="3100" dirty="0">
+              <a:t>Цели и задачи модельера</a:t>
+            </a:r>
+            <a:endParaRPr lang="ru-RU" sz="1800" dirty="0">
               <a:solidFill>
-                <a:srgbClr val="7030A0"/>
+                <a:srgbClr val="CC99FF"/>
               </a:solidFill>
+              <a:latin typeface="Circe Light" panose="020B0402020203020203" pitchFamily="34" charset="-52"/>
               <a:cs typeface="Adobe Hebrew" pitchFamily="18" charset="-79"/>
             </a:endParaRPr>
           </a:p>
@@ -3525,7 +3232,7 @@
           <p:nvPr/>
         </p:nvPicPr>
         <p:blipFill>
-          <a:blip r:embed="rId2" cstate="print">
+          <a:blip r:embed="rId3" cstate="print">
             <a:extLst>
               <a:ext uri="{28A0092B-C50C-407E-A947-70E740481C1C}">
                 <a14:useLocalDpi xmlns:a14="http://schemas.microsoft.com/office/drawing/2010/main" val="0"/>
@@ -3589,7 +3296,7 @@
           <p:nvPr/>
         </p:nvPicPr>
         <p:blipFill>
-          <a:blip r:embed="rId3">
+          <a:blip r:embed="rId4">
             <a:extLst>
               <a:ext uri="{28A0092B-C50C-407E-A947-70E740481C1C}">
                 <a14:useLocalDpi xmlns:a14="http://schemas.microsoft.com/office/drawing/2010/main" val="0"/>
@@ -3646,7 +3353,7 @@
       </p:pic>
       <p:sp>
         <p:nvSpPr>
-          <p:cNvPr id="6" name="Заголовок 1"/>
+          <p:cNvPr id="15" name="Заголовок 1"/>
           <p:cNvSpPr txBox="1">
             <a:spLocks/>
           </p:cNvSpPr>
@@ -3654,8 +3361,8 @@
         </p:nvSpPr>
         <p:spPr>
           <a:xfrm>
-            <a:off x="1691680" y="1131590"/>
-            <a:ext cx="6768752" cy="857250"/>
+            <a:off x="1403648" y="1707654"/>
+            <a:ext cx="5256584" cy="2664296"/>
           </a:xfrm>
           <a:prstGeom prst="rect">
             <a:avLst/>
@@ -3663,7 +3370,7 @@
         </p:spPr>
         <p:txBody>
           <a:bodyPr vert="horz" lIns="91440" tIns="45720" rIns="91440" bIns="45720" rtlCol="0" anchor="ctr">
-            <a:normAutofit/>
+            <a:normAutofit fontScale="92500"/>
           </a:bodyPr>
           <a:lstStyle>
             <a:lvl1pPr algn="ctr" defTabSz="914400" rtl="0" eaLnBrk="1" latinLnBrk="0" hangingPunct="1">
@@ -3682,25 +3389,169 @@
             </a:lvl1pPr>
           </a:lstStyle>
           <a:p>
-            <a:pPr algn="l"/>
+            <a:pPr marL="457200" indent="-457200" algn="l">
+              <a:buAutoNum type="arabicPeriod"/>
+            </a:pPr>
             <a:r>
               <a:rPr lang="ru-RU" sz="2400" dirty="0">
                 <a:solidFill>
-                  <a:schemeClr val="tx1">
-                    <a:lumMod val="75000"/>
-                    <a:lumOff val="25000"/>
-                  </a:schemeClr>
+                  <a:schemeClr val="bg1"/>
                 </a:solidFill>
+                <a:latin typeface="Circe Light" panose="020B0402020203020203" pitchFamily="34" charset="-52"/>
                 <a:cs typeface="Adobe Hebrew" pitchFamily="18" charset="-79"/>
               </a:rPr>
-              <a:t>Оценка результатов проекта, план развития</a:t>
-            </a:r>
-          </a:p>
-        </p:txBody>
-      </p:sp>
-      <p:sp>
-        <p:nvSpPr>
-          <p:cNvPr id="7" name="Прямоугольник 6"/>
+              <a:t>Разработка плана</a:t>
+            </a:r>
+            <a:r>
+              <a:rPr lang="en-US" sz="2400" dirty="0">
+                <a:solidFill>
+                  <a:schemeClr val="bg1"/>
+                </a:solidFill>
+                <a:latin typeface="Circe Light" panose="020B0402020203020203" pitchFamily="34" charset="-52"/>
+                <a:cs typeface="Adobe Hebrew" pitchFamily="18" charset="-79"/>
+              </a:rPr>
+              <a:t>/</a:t>
+            </a:r>
+            <a:r>
+              <a:rPr lang="ru-RU" sz="2400" dirty="0">
+                <a:solidFill>
+                  <a:schemeClr val="bg1"/>
+                </a:solidFill>
+                <a:latin typeface="Circe Light" panose="020B0402020203020203" pitchFamily="34" charset="-52"/>
+                <a:cs typeface="Adobe Hebrew" pitchFamily="18" charset="-79"/>
+              </a:rPr>
+              <a:t>схемы корпуса для приёмника.</a:t>
+            </a:r>
+          </a:p>
+          <a:p>
+            <a:pPr marL="457200" indent="-457200" algn="l">
+              <a:buAutoNum type="arabicPeriod"/>
+            </a:pPr>
+            <a:r>
+              <a:rPr lang="ru-RU" sz="2400" dirty="0">
+                <a:solidFill>
+                  <a:schemeClr val="bg1"/>
+                </a:solidFill>
+                <a:latin typeface="Circe Light" panose="020B0402020203020203" pitchFamily="34" charset="-52"/>
+                <a:cs typeface="Adobe Hebrew" pitchFamily="18" charset="-79"/>
+              </a:rPr>
+              <a:t>Моделирование корпуса в программах </a:t>
+            </a:r>
+            <a:r>
+              <a:rPr lang="en-US" sz="2400" dirty="0">
+                <a:solidFill>
+                  <a:schemeClr val="bg1"/>
+                </a:solidFill>
+                <a:latin typeface="Circe Light" panose="020B0402020203020203" pitchFamily="34" charset="-52"/>
+                <a:cs typeface="Adobe Hebrew" pitchFamily="18" charset="-79"/>
+              </a:rPr>
+              <a:t>3D</a:t>
+            </a:r>
+            <a:r>
+              <a:rPr lang="ru-RU" sz="2400" dirty="0">
+                <a:solidFill>
+                  <a:schemeClr val="bg1"/>
+                </a:solidFill>
+                <a:latin typeface="Circe Light" panose="020B0402020203020203" pitchFamily="34" charset="-52"/>
+                <a:cs typeface="Adobe Hebrew" pitchFamily="18" charset="-79"/>
+              </a:rPr>
+              <a:t> моделирования.</a:t>
+            </a:r>
+          </a:p>
+          <a:p>
+            <a:pPr marL="457200" indent="-457200" algn="l">
+              <a:buAutoNum type="arabicPeriod"/>
+            </a:pPr>
+            <a:r>
+              <a:rPr lang="ru-RU" sz="2400" dirty="0">
+                <a:solidFill>
+                  <a:schemeClr val="bg1"/>
+                </a:solidFill>
+                <a:latin typeface="Circe Light" panose="020B0402020203020203" pitchFamily="34" charset="-52"/>
+                <a:cs typeface="Adobe Hebrew" pitchFamily="18" charset="-79"/>
+              </a:rPr>
+              <a:t>Печать</a:t>
+            </a:r>
+            <a:r>
+              <a:rPr lang="en-US" sz="2400" dirty="0">
+                <a:solidFill>
+                  <a:schemeClr val="bg1"/>
+                </a:solidFill>
+                <a:latin typeface="Circe Light" panose="020B0402020203020203" pitchFamily="34" charset="-52"/>
+                <a:cs typeface="Adobe Hebrew" pitchFamily="18" charset="-79"/>
+              </a:rPr>
+              <a:t>/</a:t>
+            </a:r>
+            <a:r>
+              <a:rPr lang="ru-RU" sz="2400" dirty="0">
+                <a:solidFill>
+                  <a:schemeClr val="bg1"/>
+                </a:solidFill>
+                <a:latin typeface="Circe Light" panose="020B0402020203020203" pitchFamily="34" charset="-52"/>
+                <a:cs typeface="Adobe Hebrew" pitchFamily="18" charset="-79"/>
+              </a:rPr>
+              <a:t>создание корпуса.</a:t>
+            </a:r>
+          </a:p>
+          <a:p>
+            <a:pPr marL="457200" indent="-457200" algn="l">
+              <a:buAutoNum type="arabicPeriod"/>
+            </a:pPr>
+            <a:r>
+              <a:rPr lang="ru-RU" sz="2400" dirty="0">
+                <a:solidFill>
+                  <a:schemeClr val="bg1"/>
+                </a:solidFill>
+                <a:latin typeface="Circe Light" panose="020B0402020203020203" pitchFamily="34" charset="-52"/>
+                <a:cs typeface="Adobe Hebrew" pitchFamily="18" charset="-79"/>
+              </a:rPr>
+              <a:t>Монтаж и установка компонентов. </a:t>
+            </a:r>
+          </a:p>
+          <a:p>
+            <a:pPr marL="457200" indent="-457200" algn="l">
+              <a:buAutoNum type="arabicPeriod"/>
+            </a:pPr>
+            <a:r>
+              <a:rPr lang="ru-RU" sz="2400" dirty="0">
+                <a:solidFill>
+                  <a:schemeClr val="bg1"/>
+                </a:solidFill>
+                <a:latin typeface="Circe Light" panose="020B0402020203020203" pitchFamily="34" charset="-52"/>
+                <a:cs typeface="Adobe Hebrew" pitchFamily="18" charset="-79"/>
+              </a:rPr>
+              <a:t>Сборка.</a:t>
+            </a:r>
+          </a:p>
+          <a:p>
+            <a:pPr marL="457200" indent="-457200" algn="l">
+              <a:buAutoNum type="arabicPeriod"/>
+            </a:pPr>
+            <a:endParaRPr lang="ru-RU" sz="2400" dirty="0">
+              <a:solidFill>
+                <a:schemeClr val="bg1"/>
+              </a:solidFill>
+              <a:latin typeface="Circe Light" panose="020B0402020203020203" pitchFamily="34" charset="-52"/>
+              <a:cs typeface="Adobe Hebrew" pitchFamily="18" charset="-79"/>
+            </a:endParaRPr>
+          </a:p>
+          <a:p>
+            <a:pPr marL="457200" indent="-457200" algn="l">
+              <a:buAutoNum type="arabicPeriod"/>
+            </a:pPr>
+            <a:endParaRPr lang="ru-RU" sz="2400" dirty="0">
+              <a:solidFill>
+                <a:schemeClr val="bg1"/>
+              </a:solidFill>
+              <a:latin typeface="Circe Light" panose="020B0402020203020203" pitchFamily="34" charset="-52"/>
+              <a:cs typeface="Adobe Hebrew" pitchFamily="18" charset="-79"/>
+            </a:endParaRPr>
+          </a:p>
+        </p:txBody>
+      </p:sp>
+      <p:sp>
+        <p:nvSpPr>
+          <p:cNvPr id="6" name="Прямоугольник 5"/>
           <p:cNvSpPr/>
           <p:nvPr/>
         </p:nvSpPr>
@@ -3736,2933 +3587,7 @@
     </p:spTree>
     <p:extLst>
       <p:ext uri="{BB962C8B-B14F-4D97-AF65-F5344CB8AC3E}">
-        <p14:creationId xmlns:p14="http://schemas.microsoft.com/office/powerpoint/2010/main" val="1981453422"/>
-      </p:ext>
-    </p:extLst>
-  </p:cSld>
-  <p:clrMapOvr>
-    <a:masterClrMapping/>
-  </p:clrMapOvr>
-</p:sld>
-</file>
-
-<file path=ppt/slides/slide11.xml><?xml version="1.0" encoding="utf-8"?>
-<p:sld xmlns:a="http://schemas.openxmlformats.org/drawingml/2006/main" xmlns:r="http://schemas.openxmlformats.org/officeDocument/2006/relationships" xmlns:p="http://schemas.openxmlformats.org/presentationml/2006/main">
-  <p:cSld>
-    <p:spTree>
-      <p:nvGrpSpPr>
-        <p:cNvPr id="1" name=""/>
-        <p:cNvGrpSpPr/>
-        <p:nvPr/>
-      </p:nvGrpSpPr>
-      <p:grpSpPr>
-        <a:xfrm>
-          <a:off x="0" y="0"/>
-          <a:ext cx="0" cy="0"/>
-          <a:chOff x="0" y="0"/>
-          <a:chExt cx="0" cy="0"/>
-        </a:xfrm>
-      </p:grpSpPr>
-      <p:sp>
-        <p:nvSpPr>
-          <p:cNvPr id="2" name="Заголовок 1"/>
-          <p:cNvSpPr>
-            <a:spLocks noGrp="1"/>
-          </p:cNvSpPr>
-          <p:nvPr>
-            <p:ph type="title"/>
-          </p:nvPr>
-        </p:nvSpPr>
-        <p:spPr>
-          <a:xfrm>
-            <a:off x="1403648" y="43913"/>
-            <a:ext cx="6768752" cy="857250"/>
-          </a:xfrm>
-        </p:spPr>
-        <p:txBody>
-          <a:bodyPr>
-            <a:normAutofit/>
-          </a:bodyPr>
-          <a:lstStyle/>
-          <a:p>
-            <a:r>
-              <a:rPr lang="ru-RU" b="1" dirty="0">
-                <a:solidFill>
-                  <a:srgbClr val="7030A0"/>
-                </a:solidFill>
-                <a:cs typeface="Adobe Hebrew" pitchFamily="18" charset="-79"/>
-              </a:rPr>
-              <a:t>Развитие проекта</a:t>
-            </a:r>
-            <a:endParaRPr lang="ru-RU" sz="3100" dirty="0">
-              <a:solidFill>
-                <a:srgbClr val="7030A0"/>
-              </a:solidFill>
-              <a:cs typeface="Adobe Hebrew" pitchFamily="18" charset="-79"/>
-            </a:endParaRPr>
-          </a:p>
-        </p:txBody>
-      </p:sp>
-      <p:pic>
-        <p:nvPicPr>
-          <p:cNvPr id="5" name="Picture 3"/>
-          <p:cNvPicPr>
-            <a:picLocks noChangeAspect="1" noChangeArrowheads="1"/>
-          </p:cNvPicPr>
-          <p:nvPr/>
-        </p:nvPicPr>
-        <p:blipFill>
-          <a:blip r:embed="rId2" cstate="print">
-            <a:extLst>
-              <a:ext uri="{28A0092B-C50C-407E-A947-70E740481C1C}">
-                <a14:useLocalDpi xmlns:a14="http://schemas.microsoft.com/office/drawing/2010/main" val="0"/>
-              </a:ext>
-            </a:extLst>
-          </a:blip>
-          <a:srcRect/>
-          <a:stretch>
-            <a:fillRect/>
-          </a:stretch>
-        </p:blipFill>
-        <p:spPr bwMode="auto">
-          <a:xfrm>
-            <a:off x="179512" y="1325207"/>
-            <a:ext cx="973574" cy="3795886"/>
-          </a:xfrm>
-          <a:prstGeom prst="rect">
-            <a:avLst/>
-          </a:prstGeom>
-          <a:noFill/>
-          <a:ln>
-            <a:noFill/>
-          </a:ln>
-          <a:effectLst/>
-          <a:extLst>
-            <a:ext uri="{909E8E84-426E-40DD-AFC4-6F175D3DCCD1}">
-              <a14:hiddenFill xmlns:a14="http://schemas.microsoft.com/office/drawing/2010/main">
-                <a:solidFill>
-                  <a:schemeClr val="accent1"/>
-                </a:solidFill>
-              </a14:hiddenFill>
-            </a:ext>
-            <a:ext uri="{91240B29-F687-4F45-9708-019B960494DF}">
-              <a14:hiddenLine xmlns:a14="http://schemas.microsoft.com/office/drawing/2010/main" w="9525">
-                <a:solidFill>
-                  <a:schemeClr val="tx1"/>
-                </a:solidFill>
-                <a:miter lim="800000"/>
-                <a:headEnd/>
-                <a:tailEnd/>
-              </a14:hiddenLine>
-            </a:ext>
-            <a:ext uri="{AF507438-7753-43E0-B8FC-AC1667EBCBE1}">
-              <a14:hiddenEffects xmlns:a14="http://schemas.microsoft.com/office/drawing/2010/main">
-                <a:effectLst>
-                  <a:outerShdw dist="35921" dir="2700000" algn="ctr" rotWithShape="0">
-                    <a:schemeClr val="bg2"/>
-                  </a:outerShdw>
-                </a:effectLst>
-              </a14:hiddenEffects>
-            </a:ext>
-          </a:extLst>
-        </p:spPr>
-      </p:pic>
-      <p:pic>
-        <p:nvPicPr>
-          <p:cNvPr id="11" name="Picture 4"/>
-          <p:cNvPicPr>
-            <a:picLocks noChangeAspect="1" noChangeArrowheads="1"/>
-          </p:cNvPicPr>
-          <p:nvPr/>
-        </p:nvPicPr>
-        <p:blipFill>
-          <a:blip r:embed="rId3">
-            <a:extLst>
-              <a:ext uri="{28A0092B-C50C-407E-A947-70E740481C1C}">
-                <a14:useLocalDpi xmlns:a14="http://schemas.microsoft.com/office/drawing/2010/main" val="0"/>
-              </a:ext>
-            </a:extLst>
-          </a:blip>
-          <a:srcRect/>
-          <a:stretch>
-            <a:fillRect/>
-          </a:stretch>
-        </p:blipFill>
-        <p:spPr bwMode="auto">
-          <a:xfrm>
-            <a:off x="179512" y="10528"/>
-            <a:ext cx="985849" cy="977046"/>
-          </a:xfrm>
-          <a:prstGeom prst="rect">
-            <a:avLst/>
-          </a:prstGeom>
-          <a:noFill/>
-          <a:ln>
-            <a:noFill/>
-          </a:ln>
-          <a:effectLst/>
-          <a:extLst>
-            <a:ext uri="{909E8E84-426E-40DD-AFC4-6F175D3DCCD1}">
-              <a14:hiddenFill xmlns:a14="http://schemas.microsoft.com/office/drawing/2010/main">
-                <a:solidFill>
-                  <a:schemeClr val="accent1"/>
-                </a:solidFill>
-              </a14:hiddenFill>
-            </a:ext>
-            <a:ext uri="{91240B29-F687-4F45-9708-019B960494DF}">
-              <a14:hiddenLine xmlns:a14="http://schemas.microsoft.com/office/drawing/2010/main" w="9525">
-                <a:solidFill>
-                  <a:schemeClr val="tx1"/>
-                </a:solidFill>
-                <a:miter lim="800000"/>
-                <a:headEnd/>
-                <a:tailEnd/>
-              </a14:hiddenLine>
-            </a:ext>
-            <a:ext uri="{AF507438-7753-43E0-B8FC-AC1667EBCBE1}">
-              <a14:hiddenEffects xmlns:a14="http://schemas.microsoft.com/office/drawing/2010/main">
-                <a:effectLst>
-                  <a:outerShdw dist="35921" dir="2700000" algn="ctr" rotWithShape="0">
-                    <a:schemeClr val="bg2"/>
-                  </a:outerShdw>
-                </a:effectLst>
-              </a14:hiddenEffects>
-            </a:ext>
-          </a:extLst>
-        </p:spPr>
-      </p:pic>
-      <p:sp>
-        <p:nvSpPr>
-          <p:cNvPr id="6" name="Заголовок 1"/>
-          <p:cNvSpPr txBox="1">
-            <a:spLocks/>
-          </p:cNvSpPr>
-          <p:nvPr/>
-        </p:nvSpPr>
-        <p:spPr>
-          <a:xfrm>
-            <a:off x="1691680" y="1131590"/>
-            <a:ext cx="6768752" cy="857250"/>
-          </a:xfrm>
-          <a:prstGeom prst="rect">
-            <a:avLst/>
-          </a:prstGeom>
-        </p:spPr>
-        <p:txBody>
-          <a:bodyPr vert="horz" lIns="91440" tIns="45720" rIns="91440" bIns="45720" rtlCol="0" anchor="ctr">
-            <a:normAutofit/>
-          </a:bodyPr>
-          <a:lstStyle>
-            <a:lvl1pPr algn="ctr" defTabSz="914400" rtl="0" eaLnBrk="1" latinLnBrk="0" hangingPunct="1">
-              <a:spcBef>
-                <a:spcPct val="0"/>
-              </a:spcBef>
-              <a:buNone/>
-              <a:defRPr sz="4400" kern="1200">
-                <a:solidFill>
-                  <a:schemeClr val="tx1"/>
-                </a:solidFill>
-                <a:latin typeface="+mj-lt"/>
-                <a:ea typeface="+mj-ea"/>
-                <a:cs typeface="+mj-cs"/>
-              </a:defRPr>
-            </a:lvl1pPr>
-          </a:lstStyle>
-          <a:p>
-            <a:pPr algn="l"/>
-            <a:r>
-              <a:rPr lang="ru-RU" sz="2400" dirty="0">
-                <a:solidFill>
-                  <a:schemeClr val="tx1">
-                    <a:lumMod val="75000"/>
-                    <a:lumOff val="25000"/>
-                  </a:schemeClr>
-                </a:solidFill>
-                <a:cs typeface="Adobe Hebrew" pitchFamily="18" charset="-79"/>
-              </a:rPr>
-              <a:t>Как дальше может развиваться проект</a:t>
-            </a:r>
-          </a:p>
-        </p:txBody>
-      </p:sp>
-      <p:sp>
-        <p:nvSpPr>
-          <p:cNvPr id="7" name="Прямоугольник 6"/>
-          <p:cNvSpPr/>
-          <p:nvPr/>
-        </p:nvSpPr>
-        <p:spPr>
-          <a:xfrm>
-            <a:off x="7906161" y="26766"/>
-            <a:ext cx="1237839" cy="584775"/>
-          </a:xfrm>
-          <a:prstGeom prst="rect">
-            <a:avLst/>
-          </a:prstGeom>
-        </p:spPr>
-        <p:txBody>
-          <a:bodyPr wrap="none">
-            <a:spAutoFit/>
-          </a:bodyPr>
-          <a:lstStyle/>
-          <a:p>
-            <a:r>
-              <a:rPr lang="ru-RU" sz="3200" b="1" dirty="0">
-                <a:solidFill>
-                  <a:schemeClr val="bg1">
-                    <a:lumMod val="50000"/>
-                  </a:schemeClr>
-                </a:solidFill>
-                <a:cs typeface="Adobe Hebrew" pitchFamily="18" charset="-79"/>
-              </a:rPr>
-              <a:t>№ :00</a:t>
-            </a:r>
-          </a:p>
-        </p:txBody>
-      </p:sp>
-    </p:spTree>
-    <p:extLst>
-      <p:ext uri="{BB962C8B-B14F-4D97-AF65-F5344CB8AC3E}">
-        <p14:creationId xmlns:p14="http://schemas.microsoft.com/office/powerpoint/2010/main" val="3358235887"/>
-      </p:ext>
-    </p:extLst>
-  </p:cSld>
-  <p:clrMapOvr>
-    <a:masterClrMapping/>
-  </p:clrMapOvr>
-</p:sld>
-</file>
-
-<file path=ppt/slides/slide12.xml><?xml version="1.0" encoding="utf-8"?>
-<p:sld xmlns:a="http://schemas.openxmlformats.org/drawingml/2006/main" xmlns:r="http://schemas.openxmlformats.org/officeDocument/2006/relationships" xmlns:p="http://schemas.openxmlformats.org/presentationml/2006/main">
-  <p:cSld>
-    <p:spTree>
-      <p:nvGrpSpPr>
-        <p:cNvPr id="1" name=""/>
-        <p:cNvGrpSpPr/>
-        <p:nvPr/>
-      </p:nvGrpSpPr>
-      <p:grpSpPr>
-        <a:xfrm>
-          <a:off x="0" y="0"/>
-          <a:ext cx="0" cy="0"/>
-          <a:chOff x="0" y="0"/>
-          <a:chExt cx="0" cy="0"/>
-        </a:xfrm>
-      </p:grpSpPr>
-      <p:pic>
-        <p:nvPicPr>
-          <p:cNvPr id="19" name="Рисунок 18">
-            <a:extLst>
-              <a:ext uri="{FF2B5EF4-FFF2-40B4-BE49-F238E27FC236}">
-                <a16:creationId xmlns:a16="http://schemas.microsoft.com/office/drawing/2014/main" id="{D7BE5177-A0F9-46DC-8639-57BDEDFDD98A}"/>
-              </a:ext>
-            </a:extLst>
-          </p:cNvPr>
-          <p:cNvPicPr>
-            <a:picLocks noChangeAspect="1"/>
-          </p:cNvPicPr>
-          <p:nvPr/>
-        </p:nvPicPr>
-        <p:blipFill rotWithShape="1">
-          <a:blip r:embed="rId2">
-            <a:extLst>
-              <a:ext uri="{28A0092B-C50C-407E-A947-70E740481C1C}">
-                <a14:useLocalDpi xmlns:a14="http://schemas.microsoft.com/office/drawing/2010/main" val="0"/>
-              </a:ext>
-            </a:extLst>
-          </a:blip>
-          <a:srcRect b="19201"/>
-          <a:stretch/>
-        </p:blipFill>
-        <p:spPr>
-          <a:xfrm>
-            <a:off x="0" y="0"/>
-            <a:ext cx="9144000" cy="4155926"/>
-          </a:xfrm>
-          <a:prstGeom prst="rect">
-            <a:avLst/>
-          </a:prstGeom>
-        </p:spPr>
-      </p:pic>
-      <p:pic>
-        <p:nvPicPr>
-          <p:cNvPr id="10" name="Рисунок 9"/>
-          <p:cNvPicPr>
-            <a:picLocks noChangeAspect="1"/>
-          </p:cNvPicPr>
-          <p:nvPr/>
-        </p:nvPicPr>
-        <p:blipFill>
-          <a:blip r:embed="rId3" cstate="print">
-            <a:extLst>
-              <a:ext uri="{28A0092B-C50C-407E-A947-70E740481C1C}">
-                <a14:useLocalDpi xmlns:a14="http://schemas.microsoft.com/office/drawing/2010/main" val="0"/>
-              </a:ext>
-            </a:extLst>
-          </a:blip>
-          <a:stretch>
-            <a:fillRect/>
-          </a:stretch>
-        </p:blipFill>
-        <p:spPr>
-          <a:xfrm>
-            <a:off x="345114" y="1347614"/>
-            <a:ext cx="2287412" cy="2287412"/>
-          </a:xfrm>
-          <a:prstGeom prst="rect">
-            <a:avLst/>
-          </a:prstGeom>
-        </p:spPr>
-      </p:pic>
-      <p:sp>
-        <p:nvSpPr>
-          <p:cNvPr id="12" name="TextBox 11"/>
-          <p:cNvSpPr txBox="1"/>
-          <p:nvPr/>
-        </p:nvSpPr>
-        <p:spPr>
-          <a:xfrm>
-            <a:off x="3131840" y="1347614"/>
-            <a:ext cx="4815448" cy="954107"/>
-          </a:xfrm>
-          <a:prstGeom prst="rect">
-            <a:avLst/>
-          </a:prstGeom>
-          <a:noFill/>
-        </p:spPr>
-        <p:txBody>
-          <a:bodyPr wrap="square" rtlCol="0">
-            <a:spAutoFit/>
-          </a:bodyPr>
-          <a:lstStyle/>
-          <a:p>
-            <a:r>
-              <a:rPr lang="ru-RU" sz="2800" b="1" dirty="0">
-                <a:solidFill>
-                  <a:schemeClr val="bg1"/>
-                </a:solidFill>
-              </a:rPr>
-              <a:t>Контакты</a:t>
-            </a:r>
-            <a:endParaRPr lang="ru-RU" sz="2800" dirty="0">
-              <a:solidFill>
-                <a:schemeClr val="bg1"/>
-              </a:solidFill>
-              <a:cs typeface="Adobe Hebrew" pitchFamily="18" charset="-79"/>
-            </a:endParaRPr>
-          </a:p>
-          <a:p>
-            <a:endParaRPr lang="ru-RU" sz="2800" b="1" dirty="0">
-              <a:solidFill>
-                <a:schemeClr val="bg1"/>
-              </a:solidFill>
-            </a:endParaRPr>
-          </a:p>
-        </p:txBody>
-      </p:sp>
-      <p:sp>
-        <p:nvSpPr>
-          <p:cNvPr id="14" name="TextBox 13"/>
-          <p:cNvSpPr txBox="1"/>
-          <p:nvPr/>
-        </p:nvSpPr>
-        <p:spPr>
-          <a:xfrm>
-            <a:off x="3163357" y="3221669"/>
-            <a:ext cx="4815448" cy="707886"/>
-          </a:xfrm>
-          <a:prstGeom prst="rect">
-            <a:avLst/>
-          </a:prstGeom>
-          <a:noFill/>
-        </p:spPr>
-        <p:txBody>
-          <a:bodyPr wrap="square" rtlCol="0">
-            <a:spAutoFit/>
-          </a:bodyPr>
-          <a:lstStyle/>
-          <a:p>
-            <a:r>
-              <a:rPr lang="ru-RU" sz="2000" dirty="0">
-                <a:solidFill>
-                  <a:schemeClr val="bg1"/>
-                </a:solidFill>
-              </a:rPr>
-              <a:t>Направление программы</a:t>
-            </a:r>
-            <a:endParaRPr lang="ru-RU" sz="2000" dirty="0">
-              <a:solidFill>
-                <a:schemeClr val="bg1"/>
-              </a:solidFill>
-              <a:cs typeface="Adobe Hebrew" pitchFamily="18" charset="-79"/>
-            </a:endParaRPr>
-          </a:p>
-          <a:p>
-            <a:endParaRPr lang="ru-RU" sz="2000" dirty="0">
-              <a:solidFill>
-                <a:schemeClr val="bg1"/>
-              </a:solidFill>
-            </a:endParaRPr>
-          </a:p>
-        </p:txBody>
-      </p:sp>
-      <p:sp>
-        <p:nvSpPr>
-          <p:cNvPr id="13" name="Прямоугольник 12"/>
-          <p:cNvSpPr/>
-          <p:nvPr/>
-        </p:nvSpPr>
-        <p:spPr>
-          <a:xfrm>
-            <a:off x="6528444" y="236135"/>
-            <a:ext cx="2353529" cy="1107996"/>
-          </a:xfrm>
-          <a:prstGeom prst="rect">
-            <a:avLst/>
-          </a:prstGeom>
-        </p:spPr>
-        <p:txBody>
-          <a:bodyPr wrap="none">
-            <a:spAutoFit/>
-          </a:bodyPr>
-          <a:lstStyle/>
-          <a:p>
-            <a:r>
-              <a:rPr lang="ru-RU" sz="6600" b="1" dirty="0">
-                <a:solidFill>
-                  <a:schemeClr val="bg1"/>
-                </a:solidFill>
-                <a:cs typeface="Adobe Hebrew" pitchFamily="18" charset="-79"/>
-              </a:rPr>
-              <a:t>№ :00</a:t>
-            </a:r>
-          </a:p>
-        </p:txBody>
-      </p:sp>
-      <p:pic>
-        <p:nvPicPr>
-          <p:cNvPr id="15" name="Рисунок 14">
-            <a:extLst>
-              <a:ext uri="{FF2B5EF4-FFF2-40B4-BE49-F238E27FC236}">
-                <a16:creationId xmlns:a16="http://schemas.microsoft.com/office/drawing/2014/main" id="{C27DD900-88C3-4DFE-AAA1-9190EBA9A8D1}"/>
-              </a:ext>
-            </a:extLst>
-          </p:cNvPr>
-          <p:cNvPicPr>
-            <a:picLocks noChangeAspect="1"/>
-          </p:cNvPicPr>
-          <p:nvPr/>
-        </p:nvPicPr>
-        <p:blipFill>
-          <a:blip r:embed="rId4"/>
-          <a:stretch>
-            <a:fillRect/>
-          </a:stretch>
-        </p:blipFill>
-        <p:spPr>
-          <a:xfrm>
-            <a:off x="251520" y="4474273"/>
-            <a:ext cx="8694712" cy="396489"/>
-          </a:xfrm>
-          <a:prstGeom prst="rect">
-            <a:avLst/>
-          </a:prstGeom>
-        </p:spPr>
-      </p:pic>
-      <p:sp>
-        <p:nvSpPr>
-          <p:cNvPr id="16" name="TextBox 15">
-            <a:extLst>
-              <a:ext uri="{FF2B5EF4-FFF2-40B4-BE49-F238E27FC236}">
-                <a16:creationId xmlns:a16="http://schemas.microsoft.com/office/drawing/2014/main" id="{8DB05BE9-D088-418A-84BB-1176634C7F78}"/>
-              </a:ext>
-            </a:extLst>
-          </p:cNvPr>
-          <p:cNvSpPr txBox="1"/>
-          <p:nvPr/>
-        </p:nvSpPr>
-        <p:spPr>
-          <a:xfrm>
-            <a:off x="476633" y="51470"/>
-            <a:ext cx="4815448" cy="1015663"/>
-          </a:xfrm>
-          <a:prstGeom prst="rect">
-            <a:avLst/>
-          </a:prstGeom>
-          <a:noFill/>
-        </p:spPr>
-        <p:txBody>
-          <a:bodyPr wrap="square" rtlCol="0">
-            <a:spAutoFit/>
-          </a:bodyPr>
-          <a:lstStyle/>
-          <a:p>
-            <a:r>
-              <a:rPr lang="ru-RU" sz="2000" b="1" dirty="0">
-                <a:solidFill>
-                  <a:schemeClr val="bg1"/>
-                </a:solidFill>
-              </a:rPr>
-              <a:t>Космическая смена «Сириус 2022»</a:t>
-            </a:r>
-          </a:p>
-          <a:p>
-            <a:r>
-              <a:rPr lang="ru-RU" sz="2000" dirty="0">
-                <a:solidFill>
-                  <a:schemeClr val="bg1"/>
-                </a:solidFill>
-                <a:cs typeface="Adobe Hebrew" pitchFamily="18" charset="-79"/>
-              </a:rPr>
-              <a:t>01</a:t>
-            </a:r>
-            <a:r>
-              <a:rPr lang="en-US" sz="2000" dirty="0">
-                <a:solidFill>
-                  <a:schemeClr val="bg1"/>
-                </a:solidFill>
-                <a:cs typeface="Adobe Hebrew" pitchFamily="18" charset="-79"/>
-              </a:rPr>
-              <a:t>-</a:t>
-            </a:r>
-            <a:r>
-              <a:rPr lang="ru-RU" sz="2000" dirty="0">
-                <a:solidFill>
-                  <a:schemeClr val="bg1"/>
-                </a:solidFill>
-                <a:cs typeface="Adobe Hebrew" pitchFamily="18" charset="-79"/>
-              </a:rPr>
-              <a:t>15</a:t>
-            </a:r>
-            <a:r>
-              <a:rPr lang="en-US" sz="2000" dirty="0">
-                <a:solidFill>
-                  <a:schemeClr val="bg1"/>
-                </a:solidFill>
-                <a:cs typeface="Adobe Hebrew" pitchFamily="18" charset="-79"/>
-              </a:rPr>
-              <a:t> </a:t>
-            </a:r>
-            <a:r>
-              <a:rPr lang="ru-RU" sz="2000" dirty="0">
-                <a:solidFill>
-                  <a:schemeClr val="bg1"/>
-                </a:solidFill>
-                <a:cs typeface="Adobe Hebrew" pitchFamily="18" charset="-79"/>
-              </a:rPr>
-              <a:t>апреля 2022г.</a:t>
-            </a:r>
-          </a:p>
-          <a:p>
-            <a:endParaRPr lang="ru-RU" sz="2000" b="1" dirty="0">
-              <a:solidFill>
-                <a:schemeClr val="bg1"/>
-              </a:solidFill>
-            </a:endParaRPr>
-          </a:p>
-        </p:txBody>
-      </p:sp>
-    </p:spTree>
-    <p:extLst>
-      <p:ext uri="{BB962C8B-B14F-4D97-AF65-F5344CB8AC3E}">
-        <p14:creationId xmlns:p14="http://schemas.microsoft.com/office/powerpoint/2010/main" val="3541869423"/>
-      </p:ext>
-    </p:extLst>
-  </p:cSld>
-  <p:clrMapOvr>
-    <a:masterClrMapping/>
-  </p:clrMapOvr>
-</p:sld>
-</file>
-
-<file path=ppt/slides/slide2.xml><?xml version="1.0" encoding="utf-8"?>
-<p:sld xmlns:a="http://schemas.openxmlformats.org/drawingml/2006/main" xmlns:r="http://schemas.openxmlformats.org/officeDocument/2006/relationships" xmlns:p="http://schemas.openxmlformats.org/presentationml/2006/main">
-  <p:cSld>
-    <p:spTree>
-      <p:nvGrpSpPr>
-        <p:cNvPr id="1" name=""/>
-        <p:cNvGrpSpPr/>
-        <p:nvPr/>
-      </p:nvGrpSpPr>
-      <p:grpSpPr>
-        <a:xfrm>
-          <a:off x="0" y="0"/>
-          <a:ext cx="0" cy="0"/>
-          <a:chOff x="0" y="0"/>
-          <a:chExt cx="0" cy="0"/>
-        </a:xfrm>
-      </p:grpSpPr>
-      <p:sp>
-        <p:nvSpPr>
-          <p:cNvPr id="2" name="Заголовок 1"/>
-          <p:cNvSpPr>
-            <a:spLocks noGrp="1"/>
-          </p:cNvSpPr>
-          <p:nvPr>
-            <p:ph type="title"/>
-          </p:nvPr>
-        </p:nvSpPr>
-        <p:spPr>
-          <a:xfrm>
-            <a:off x="1403648" y="43913"/>
-            <a:ext cx="6768752" cy="857250"/>
-          </a:xfrm>
-        </p:spPr>
-        <p:txBody>
-          <a:bodyPr>
-            <a:normAutofit/>
-          </a:bodyPr>
-          <a:lstStyle/>
-          <a:p>
-            <a:r>
-              <a:rPr lang="ru-RU" b="1" dirty="0">
-                <a:solidFill>
-                  <a:srgbClr val="7030A0"/>
-                </a:solidFill>
-                <a:cs typeface="Adobe Hebrew" pitchFamily="18" charset="-79"/>
-              </a:rPr>
-              <a:t>Команда</a:t>
-            </a:r>
-            <a:endParaRPr lang="ru-RU" sz="3100" dirty="0">
-              <a:solidFill>
-                <a:srgbClr val="7030A0"/>
-              </a:solidFill>
-              <a:cs typeface="Adobe Hebrew" pitchFamily="18" charset="-79"/>
-            </a:endParaRPr>
-          </a:p>
-        </p:txBody>
-      </p:sp>
-      <p:pic>
-        <p:nvPicPr>
-          <p:cNvPr id="5" name="Picture 3"/>
-          <p:cNvPicPr>
-            <a:picLocks noChangeAspect="1" noChangeArrowheads="1"/>
-          </p:cNvPicPr>
-          <p:nvPr/>
-        </p:nvPicPr>
-        <p:blipFill>
-          <a:blip r:embed="rId2" cstate="print">
-            <a:extLst>
-              <a:ext uri="{28A0092B-C50C-407E-A947-70E740481C1C}">
-                <a14:useLocalDpi xmlns:a14="http://schemas.microsoft.com/office/drawing/2010/main" val="0"/>
-              </a:ext>
-            </a:extLst>
-          </a:blip>
-          <a:srcRect/>
-          <a:stretch>
-            <a:fillRect/>
-          </a:stretch>
-        </p:blipFill>
-        <p:spPr bwMode="auto">
-          <a:xfrm>
-            <a:off x="179512" y="1325207"/>
-            <a:ext cx="973574" cy="3795886"/>
-          </a:xfrm>
-          <a:prstGeom prst="rect">
-            <a:avLst/>
-          </a:prstGeom>
-          <a:noFill/>
-          <a:ln>
-            <a:noFill/>
-          </a:ln>
-          <a:effectLst/>
-          <a:extLst>
-            <a:ext uri="{909E8E84-426E-40DD-AFC4-6F175D3DCCD1}">
-              <a14:hiddenFill xmlns:a14="http://schemas.microsoft.com/office/drawing/2010/main">
-                <a:solidFill>
-                  <a:schemeClr val="accent1"/>
-                </a:solidFill>
-              </a14:hiddenFill>
-            </a:ext>
-            <a:ext uri="{91240B29-F687-4F45-9708-019B960494DF}">
-              <a14:hiddenLine xmlns:a14="http://schemas.microsoft.com/office/drawing/2010/main" w="9525">
-                <a:solidFill>
-                  <a:schemeClr val="tx1"/>
-                </a:solidFill>
-                <a:miter lim="800000"/>
-                <a:headEnd/>
-                <a:tailEnd/>
-              </a14:hiddenLine>
-            </a:ext>
-            <a:ext uri="{AF507438-7753-43E0-B8FC-AC1667EBCBE1}">
-              <a14:hiddenEffects xmlns:a14="http://schemas.microsoft.com/office/drawing/2010/main">
-                <a:effectLst>
-                  <a:outerShdw dist="35921" dir="2700000" algn="ctr" rotWithShape="0">
-                    <a:schemeClr val="bg2"/>
-                  </a:outerShdw>
-                </a:effectLst>
-              </a14:hiddenEffects>
-            </a:ext>
-          </a:extLst>
-        </p:spPr>
-      </p:pic>
-      <p:pic>
-        <p:nvPicPr>
-          <p:cNvPr id="11" name="Picture 4"/>
-          <p:cNvPicPr>
-            <a:picLocks noChangeAspect="1" noChangeArrowheads="1"/>
-          </p:cNvPicPr>
-          <p:nvPr/>
-        </p:nvPicPr>
-        <p:blipFill>
-          <a:blip r:embed="rId3">
-            <a:extLst>
-              <a:ext uri="{28A0092B-C50C-407E-A947-70E740481C1C}">
-                <a14:useLocalDpi xmlns:a14="http://schemas.microsoft.com/office/drawing/2010/main" val="0"/>
-              </a:ext>
-            </a:extLst>
-          </a:blip>
-          <a:srcRect/>
-          <a:stretch>
-            <a:fillRect/>
-          </a:stretch>
-        </p:blipFill>
-        <p:spPr bwMode="auto">
-          <a:xfrm>
-            <a:off x="179512" y="10528"/>
-            <a:ext cx="985849" cy="977046"/>
-          </a:xfrm>
-          <a:prstGeom prst="rect">
-            <a:avLst/>
-          </a:prstGeom>
-          <a:noFill/>
-          <a:ln>
-            <a:noFill/>
-          </a:ln>
-          <a:effectLst/>
-          <a:extLst>
-            <a:ext uri="{909E8E84-426E-40DD-AFC4-6F175D3DCCD1}">
-              <a14:hiddenFill xmlns:a14="http://schemas.microsoft.com/office/drawing/2010/main">
-                <a:solidFill>
-                  <a:schemeClr val="accent1"/>
-                </a:solidFill>
-              </a14:hiddenFill>
-            </a:ext>
-            <a:ext uri="{91240B29-F687-4F45-9708-019B960494DF}">
-              <a14:hiddenLine xmlns:a14="http://schemas.microsoft.com/office/drawing/2010/main" w="9525">
-                <a:solidFill>
-                  <a:schemeClr val="tx1"/>
-                </a:solidFill>
-                <a:miter lim="800000"/>
-                <a:headEnd/>
-                <a:tailEnd/>
-              </a14:hiddenLine>
-            </a:ext>
-            <a:ext uri="{AF507438-7753-43E0-B8FC-AC1667EBCBE1}">
-              <a14:hiddenEffects xmlns:a14="http://schemas.microsoft.com/office/drawing/2010/main">
-                <a:effectLst>
-                  <a:outerShdw dist="35921" dir="2700000" algn="ctr" rotWithShape="0">
-                    <a:schemeClr val="bg2"/>
-                  </a:outerShdw>
-                </a:effectLst>
-              </a14:hiddenEffects>
-            </a:ext>
-          </a:extLst>
-        </p:spPr>
-      </p:pic>
-      <p:sp>
-        <p:nvSpPr>
-          <p:cNvPr id="15" name="Заголовок 1"/>
-          <p:cNvSpPr txBox="1">
-            <a:spLocks/>
-          </p:cNvSpPr>
-          <p:nvPr/>
-        </p:nvSpPr>
-        <p:spPr>
-          <a:xfrm>
-            <a:off x="1691680" y="1131590"/>
-            <a:ext cx="6768752" cy="857250"/>
-          </a:xfrm>
-          <a:prstGeom prst="rect">
-            <a:avLst/>
-          </a:prstGeom>
-        </p:spPr>
-        <p:txBody>
-          <a:bodyPr vert="horz" lIns="91440" tIns="45720" rIns="91440" bIns="45720" rtlCol="0" anchor="ctr">
-            <a:normAutofit/>
-          </a:bodyPr>
-          <a:lstStyle>
-            <a:lvl1pPr algn="ctr" defTabSz="914400" rtl="0" eaLnBrk="1" latinLnBrk="0" hangingPunct="1">
-              <a:spcBef>
-                <a:spcPct val="0"/>
-              </a:spcBef>
-              <a:buNone/>
-              <a:defRPr sz="4400" kern="1200">
-                <a:solidFill>
-                  <a:schemeClr val="tx1"/>
-                </a:solidFill>
-                <a:latin typeface="+mj-lt"/>
-                <a:ea typeface="+mj-ea"/>
-                <a:cs typeface="+mj-cs"/>
-              </a:defRPr>
-            </a:lvl1pPr>
-          </a:lstStyle>
-          <a:p>
-            <a:pPr algn="l"/>
-            <a:r>
-              <a:rPr lang="ru-RU" sz="2400" dirty="0">
-                <a:solidFill>
-                  <a:schemeClr val="tx1">
-                    <a:lumMod val="75000"/>
-                    <a:lumOff val="25000"/>
-                  </a:schemeClr>
-                </a:solidFill>
-                <a:cs typeface="Adobe Hebrew" pitchFamily="18" charset="-79"/>
-              </a:rPr>
-              <a:t>Состав и роли в команде</a:t>
-            </a:r>
-          </a:p>
-        </p:txBody>
-      </p:sp>
-      <p:sp>
-        <p:nvSpPr>
-          <p:cNvPr id="6" name="Прямоугольник 5"/>
-          <p:cNvSpPr/>
-          <p:nvPr/>
-        </p:nvSpPr>
-        <p:spPr>
-          <a:xfrm>
-            <a:off x="7906161" y="26766"/>
-            <a:ext cx="1237839" cy="584775"/>
-          </a:xfrm>
-          <a:prstGeom prst="rect">
-            <a:avLst/>
-          </a:prstGeom>
-        </p:spPr>
-        <p:txBody>
-          <a:bodyPr wrap="none">
-            <a:spAutoFit/>
-          </a:bodyPr>
-          <a:lstStyle/>
-          <a:p>
-            <a:r>
-              <a:rPr lang="ru-RU" sz="3200" b="1" dirty="0">
-                <a:solidFill>
-                  <a:schemeClr val="bg1">
-                    <a:lumMod val="50000"/>
-                  </a:schemeClr>
-                </a:solidFill>
-                <a:cs typeface="Adobe Hebrew" pitchFamily="18" charset="-79"/>
-              </a:rPr>
-              <a:t>№ :00</a:t>
-            </a:r>
-          </a:p>
-        </p:txBody>
-      </p:sp>
-    </p:spTree>
-    <p:extLst>
-      <p:ext uri="{BB962C8B-B14F-4D97-AF65-F5344CB8AC3E}">
-        <p14:creationId xmlns:p14="http://schemas.microsoft.com/office/powerpoint/2010/main" val="1590535128"/>
-      </p:ext>
-    </p:extLst>
-  </p:cSld>
-  <p:clrMapOvr>
-    <a:masterClrMapping/>
-  </p:clrMapOvr>
-</p:sld>
-</file>
-
-<file path=ppt/slides/slide3.xml><?xml version="1.0" encoding="utf-8"?>
-<p:sld xmlns:a="http://schemas.openxmlformats.org/drawingml/2006/main" xmlns:r="http://schemas.openxmlformats.org/officeDocument/2006/relationships" xmlns:p="http://schemas.openxmlformats.org/presentationml/2006/main">
-  <p:cSld>
-    <p:spTree>
-      <p:nvGrpSpPr>
-        <p:cNvPr id="1" name=""/>
-        <p:cNvGrpSpPr/>
-        <p:nvPr/>
-      </p:nvGrpSpPr>
-      <p:grpSpPr>
-        <a:xfrm>
-          <a:off x="0" y="0"/>
-          <a:ext cx="0" cy="0"/>
-          <a:chOff x="0" y="0"/>
-          <a:chExt cx="0" cy="0"/>
-        </a:xfrm>
-      </p:grpSpPr>
-      <p:sp>
-        <p:nvSpPr>
-          <p:cNvPr id="2" name="Заголовок 1"/>
-          <p:cNvSpPr>
-            <a:spLocks noGrp="1"/>
-          </p:cNvSpPr>
-          <p:nvPr>
-            <p:ph type="title"/>
-          </p:nvPr>
-        </p:nvSpPr>
-        <p:spPr>
-          <a:xfrm>
-            <a:off x="1403648" y="43913"/>
-            <a:ext cx="6768752" cy="857250"/>
-          </a:xfrm>
-        </p:spPr>
-        <p:txBody>
-          <a:bodyPr>
-            <a:normAutofit/>
-          </a:bodyPr>
-          <a:lstStyle/>
-          <a:p>
-            <a:r>
-              <a:rPr lang="ru-RU" b="1" dirty="0">
-                <a:solidFill>
-                  <a:srgbClr val="7030A0"/>
-                </a:solidFill>
-                <a:cs typeface="Adobe Hebrew" pitchFamily="18" charset="-79"/>
-              </a:rPr>
-              <a:t>Цели и задачи</a:t>
-            </a:r>
-            <a:endParaRPr lang="ru-RU" sz="3100" dirty="0">
-              <a:solidFill>
-                <a:srgbClr val="7030A0"/>
-              </a:solidFill>
-              <a:cs typeface="Adobe Hebrew" pitchFamily="18" charset="-79"/>
-            </a:endParaRPr>
-          </a:p>
-        </p:txBody>
-      </p:sp>
-      <p:pic>
-        <p:nvPicPr>
-          <p:cNvPr id="5" name="Picture 3"/>
-          <p:cNvPicPr>
-            <a:picLocks noChangeAspect="1" noChangeArrowheads="1"/>
-          </p:cNvPicPr>
-          <p:nvPr/>
-        </p:nvPicPr>
-        <p:blipFill>
-          <a:blip r:embed="rId2" cstate="print">
-            <a:extLst>
-              <a:ext uri="{28A0092B-C50C-407E-A947-70E740481C1C}">
-                <a14:useLocalDpi xmlns:a14="http://schemas.microsoft.com/office/drawing/2010/main" val="0"/>
-              </a:ext>
-            </a:extLst>
-          </a:blip>
-          <a:srcRect/>
-          <a:stretch>
-            <a:fillRect/>
-          </a:stretch>
-        </p:blipFill>
-        <p:spPr bwMode="auto">
-          <a:xfrm>
-            <a:off x="179512" y="1325207"/>
-            <a:ext cx="973574" cy="3795886"/>
-          </a:xfrm>
-          <a:prstGeom prst="rect">
-            <a:avLst/>
-          </a:prstGeom>
-          <a:noFill/>
-          <a:ln>
-            <a:noFill/>
-          </a:ln>
-          <a:effectLst/>
-          <a:extLst>
-            <a:ext uri="{909E8E84-426E-40DD-AFC4-6F175D3DCCD1}">
-              <a14:hiddenFill xmlns:a14="http://schemas.microsoft.com/office/drawing/2010/main">
-                <a:solidFill>
-                  <a:schemeClr val="accent1"/>
-                </a:solidFill>
-              </a14:hiddenFill>
-            </a:ext>
-            <a:ext uri="{91240B29-F687-4F45-9708-019B960494DF}">
-              <a14:hiddenLine xmlns:a14="http://schemas.microsoft.com/office/drawing/2010/main" w="9525">
-                <a:solidFill>
-                  <a:schemeClr val="tx1"/>
-                </a:solidFill>
-                <a:miter lim="800000"/>
-                <a:headEnd/>
-                <a:tailEnd/>
-              </a14:hiddenLine>
-            </a:ext>
-            <a:ext uri="{AF507438-7753-43E0-B8FC-AC1667EBCBE1}">
-              <a14:hiddenEffects xmlns:a14="http://schemas.microsoft.com/office/drawing/2010/main">
-                <a:effectLst>
-                  <a:outerShdw dist="35921" dir="2700000" algn="ctr" rotWithShape="0">
-                    <a:schemeClr val="bg2"/>
-                  </a:outerShdw>
-                </a:effectLst>
-              </a14:hiddenEffects>
-            </a:ext>
-          </a:extLst>
-        </p:spPr>
-      </p:pic>
-      <p:pic>
-        <p:nvPicPr>
-          <p:cNvPr id="11" name="Picture 4"/>
-          <p:cNvPicPr>
-            <a:picLocks noChangeAspect="1" noChangeArrowheads="1"/>
-          </p:cNvPicPr>
-          <p:nvPr/>
-        </p:nvPicPr>
-        <p:blipFill>
-          <a:blip r:embed="rId3">
-            <a:extLst>
-              <a:ext uri="{28A0092B-C50C-407E-A947-70E740481C1C}">
-                <a14:useLocalDpi xmlns:a14="http://schemas.microsoft.com/office/drawing/2010/main" val="0"/>
-              </a:ext>
-            </a:extLst>
-          </a:blip>
-          <a:srcRect/>
-          <a:stretch>
-            <a:fillRect/>
-          </a:stretch>
-        </p:blipFill>
-        <p:spPr bwMode="auto">
-          <a:xfrm>
-            <a:off x="179512" y="10528"/>
-            <a:ext cx="985849" cy="977046"/>
-          </a:xfrm>
-          <a:prstGeom prst="rect">
-            <a:avLst/>
-          </a:prstGeom>
-          <a:noFill/>
-          <a:ln>
-            <a:noFill/>
-          </a:ln>
-          <a:effectLst/>
-          <a:extLst>
-            <a:ext uri="{909E8E84-426E-40DD-AFC4-6F175D3DCCD1}">
-              <a14:hiddenFill xmlns:a14="http://schemas.microsoft.com/office/drawing/2010/main">
-                <a:solidFill>
-                  <a:schemeClr val="accent1"/>
-                </a:solidFill>
-              </a14:hiddenFill>
-            </a:ext>
-            <a:ext uri="{91240B29-F687-4F45-9708-019B960494DF}">
-              <a14:hiddenLine xmlns:a14="http://schemas.microsoft.com/office/drawing/2010/main" w="9525">
-                <a:solidFill>
-                  <a:schemeClr val="tx1"/>
-                </a:solidFill>
-                <a:miter lim="800000"/>
-                <a:headEnd/>
-                <a:tailEnd/>
-              </a14:hiddenLine>
-            </a:ext>
-            <a:ext uri="{AF507438-7753-43E0-B8FC-AC1667EBCBE1}">
-              <a14:hiddenEffects xmlns:a14="http://schemas.microsoft.com/office/drawing/2010/main">
-                <a:effectLst>
-                  <a:outerShdw dist="35921" dir="2700000" algn="ctr" rotWithShape="0">
-                    <a:schemeClr val="bg2"/>
-                  </a:outerShdw>
-                </a:effectLst>
-              </a14:hiddenEffects>
-            </a:ext>
-          </a:extLst>
-        </p:spPr>
-      </p:pic>
-      <p:sp>
-        <p:nvSpPr>
-          <p:cNvPr id="15" name="Заголовок 1"/>
-          <p:cNvSpPr txBox="1">
-            <a:spLocks/>
-          </p:cNvSpPr>
-          <p:nvPr/>
-        </p:nvSpPr>
-        <p:spPr>
-          <a:xfrm>
-            <a:off x="1691680" y="1131590"/>
-            <a:ext cx="6768752" cy="857250"/>
-          </a:xfrm>
-          <a:prstGeom prst="rect">
-            <a:avLst/>
-          </a:prstGeom>
-        </p:spPr>
-        <p:txBody>
-          <a:bodyPr vert="horz" lIns="91440" tIns="45720" rIns="91440" bIns="45720" rtlCol="0" anchor="ctr">
-            <a:normAutofit/>
-          </a:bodyPr>
-          <a:lstStyle>
-            <a:lvl1pPr algn="ctr" defTabSz="914400" rtl="0" eaLnBrk="1" latinLnBrk="0" hangingPunct="1">
-              <a:spcBef>
-                <a:spcPct val="0"/>
-              </a:spcBef>
-              <a:buNone/>
-              <a:defRPr sz="4400" kern="1200">
-                <a:solidFill>
-                  <a:schemeClr val="tx1"/>
-                </a:solidFill>
-                <a:latin typeface="+mj-lt"/>
-                <a:ea typeface="+mj-ea"/>
-                <a:cs typeface="+mj-cs"/>
-              </a:defRPr>
-            </a:lvl1pPr>
-          </a:lstStyle>
-          <a:p>
-            <a:pPr algn="l"/>
-            <a:r>
-              <a:rPr lang="ru-RU" sz="2400" dirty="0">
-                <a:solidFill>
-                  <a:schemeClr val="tx1">
-                    <a:lumMod val="75000"/>
-                    <a:lumOff val="25000"/>
-                  </a:schemeClr>
-                </a:solidFill>
-                <a:cs typeface="Adobe Hebrew" pitchFamily="18" charset="-79"/>
-              </a:rPr>
-              <a:t>Какую гипотезу проверяем, что и как хотели получить в результате проекта</a:t>
-            </a:r>
-          </a:p>
-        </p:txBody>
-      </p:sp>
-      <p:sp>
-        <p:nvSpPr>
-          <p:cNvPr id="6" name="Прямоугольник 5"/>
-          <p:cNvSpPr/>
-          <p:nvPr/>
-        </p:nvSpPr>
-        <p:spPr>
-          <a:xfrm>
-            <a:off x="7906161" y="26766"/>
-            <a:ext cx="1237839" cy="584775"/>
-          </a:xfrm>
-          <a:prstGeom prst="rect">
-            <a:avLst/>
-          </a:prstGeom>
-        </p:spPr>
-        <p:txBody>
-          <a:bodyPr wrap="none">
-            <a:spAutoFit/>
-          </a:bodyPr>
-          <a:lstStyle/>
-          <a:p>
-            <a:r>
-              <a:rPr lang="ru-RU" sz="3200" b="1" dirty="0">
-                <a:solidFill>
-                  <a:schemeClr val="bg1">
-                    <a:lumMod val="50000"/>
-                  </a:schemeClr>
-                </a:solidFill>
-                <a:cs typeface="Adobe Hebrew" pitchFamily="18" charset="-79"/>
-              </a:rPr>
-              <a:t>№ :00</a:t>
-            </a:r>
-          </a:p>
-        </p:txBody>
-      </p:sp>
-    </p:spTree>
-    <p:extLst>
-      <p:ext uri="{BB962C8B-B14F-4D97-AF65-F5344CB8AC3E}">
         <p14:creationId xmlns:p14="http://schemas.microsoft.com/office/powerpoint/2010/main" val="722919798"/>
-      </p:ext>
-    </p:extLst>
-  </p:cSld>
-  <p:clrMapOvr>
-    <a:masterClrMapping/>
-  </p:clrMapOvr>
-</p:sld>
-</file>
-
-<file path=ppt/slides/slide4.xml><?xml version="1.0" encoding="utf-8"?>
-<p:sld xmlns:a="http://schemas.openxmlformats.org/drawingml/2006/main" xmlns:r="http://schemas.openxmlformats.org/officeDocument/2006/relationships" xmlns:p="http://schemas.openxmlformats.org/presentationml/2006/main">
-  <p:cSld>
-    <p:spTree>
-      <p:nvGrpSpPr>
-        <p:cNvPr id="1" name=""/>
-        <p:cNvGrpSpPr/>
-        <p:nvPr/>
-      </p:nvGrpSpPr>
-      <p:grpSpPr>
-        <a:xfrm>
-          <a:off x="0" y="0"/>
-          <a:ext cx="0" cy="0"/>
-          <a:chOff x="0" y="0"/>
-          <a:chExt cx="0" cy="0"/>
-        </a:xfrm>
-      </p:grpSpPr>
-      <p:sp>
-        <p:nvSpPr>
-          <p:cNvPr id="2" name="Заголовок 1"/>
-          <p:cNvSpPr>
-            <a:spLocks noGrp="1"/>
-          </p:cNvSpPr>
-          <p:nvPr>
-            <p:ph type="title"/>
-          </p:nvPr>
-        </p:nvSpPr>
-        <p:spPr>
-          <a:xfrm>
-            <a:off x="1403648" y="43913"/>
-            <a:ext cx="6768752" cy="857250"/>
-          </a:xfrm>
-        </p:spPr>
-        <p:txBody>
-          <a:bodyPr>
-            <a:normAutofit fontScale="90000"/>
-          </a:bodyPr>
-          <a:lstStyle/>
-          <a:p>
-            <a:r>
-              <a:rPr lang="ru-RU" b="1" dirty="0">
-                <a:solidFill>
-                  <a:srgbClr val="7030A0"/>
-                </a:solidFill>
-                <a:cs typeface="Adobe Hebrew" pitchFamily="18" charset="-79"/>
-              </a:rPr>
-              <a:t>Теоретические обоснования</a:t>
-            </a:r>
-            <a:endParaRPr lang="ru-RU" sz="3100" dirty="0">
-              <a:solidFill>
-                <a:srgbClr val="7030A0"/>
-              </a:solidFill>
-              <a:cs typeface="Adobe Hebrew" pitchFamily="18" charset="-79"/>
-            </a:endParaRPr>
-          </a:p>
-        </p:txBody>
-      </p:sp>
-      <p:pic>
-        <p:nvPicPr>
-          <p:cNvPr id="5" name="Picture 3"/>
-          <p:cNvPicPr>
-            <a:picLocks noChangeAspect="1" noChangeArrowheads="1"/>
-          </p:cNvPicPr>
-          <p:nvPr/>
-        </p:nvPicPr>
-        <p:blipFill>
-          <a:blip r:embed="rId2" cstate="print">
-            <a:extLst>
-              <a:ext uri="{28A0092B-C50C-407E-A947-70E740481C1C}">
-                <a14:useLocalDpi xmlns:a14="http://schemas.microsoft.com/office/drawing/2010/main" val="0"/>
-              </a:ext>
-            </a:extLst>
-          </a:blip>
-          <a:srcRect/>
-          <a:stretch>
-            <a:fillRect/>
-          </a:stretch>
-        </p:blipFill>
-        <p:spPr bwMode="auto">
-          <a:xfrm>
-            <a:off x="179512" y="1325207"/>
-            <a:ext cx="973574" cy="3795886"/>
-          </a:xfrm>
-          <a:prstGeom prst="rect">
-            <a:avLst/>
-          </a:prstGeom>
-          <a:noFill/>
-          <a:ln>
-            <a:noFill/>
-          </a:ln>
-          <a:effectLst/>
-          <a:extLst>
-            <a:ext uri="{909E8E84-426E-40DD-AFC4-6F175D3DCCD1}">
-              <a14:hiddenFill xmlns:a14="http://schemas.microsoft.com/office/drawing/2010/main">
-                <a:solidFill>
-                  <a:schemeClr val="accent1"/>
-                </a:solidFill>
-              </a14:hiddenFill>
-            </a:ext>
-            <a:ext uri="{91240B29-F687-4F45-9708-019B960494DF}">
-              <a14:hiddenLine xmlns:a14="http://schemas.microsoft.com/office/drawing/2010/main" w="9525">
-                <a:solidFill>
-                  <a:schemeClr val="tx1"/>
-                </a:solidFill>
-                <a:miter lim="800000"/>
-                <a:headEnd/>
-                <a:tailEnd/>
-              </a14:hiddenLine>
-            </a:ext>
-            <a:ext uri="{AF507438-7753-43E0-B8FC-AC1667EBCBE1}">
-              <a14:hiddenEffects xmlns:a14="http://schemas.microsoft.com/office/drawing/2010/main">
-                <a:effectLst>
-                  <a:outerShdw dist="35921" dir="2700000" algn="ctr" rotWithShape="0">
-                    <a:schemeClr val="bg2"/>
-                  </a:outerShdw>
-                </a:effectLst>
-              </a14:hiddenEffects>
-            </a:ext>
-          </a:extLst>
-        </p:spPr>
-      </p:pic>
-      <p:pic>
-        <p:nvPicPr>
-          <p:cNvPr id="11" name="Picture 4"/>
-          <p:cNvPicPr>
-            <a:picLocks noChangeAspect="1" noChangeArrowheads="1"/>
-          </p:cNvPicPr>
-          <p:nvPr/>
-        </p:nvPicPr>
-        <p:blipFill>
-          <a:blip r:embed="rId3">
-            <a:extLst>
-              <a:ext uri="{28A0092B-C50C-407E-A947-70E740481C1C}">
-                <a14:useLocalDpi xmlns:a14="http://schemas.microsoft.com/office/drawing/2010/main" val="0"/>
-              </a:ext>
-            </a:extLst>
-          </a:blip>
-          <a:srcRect/>
-          <a:stretch>
-            <a:fillRect/>
-          </a:stretch>
-        </p:blipFill>
-        <p:spPr bwMode="auto">
-          <a:xfrm>
-            <a:off x="179512" y="10528"/>
-            <a:ext cx="985849" cy="977046"/>
-          </a:xfrm>
-          <a:prstGeom prst="rect">
-            <a:avLst/>
-          </a:prstGeom>
-          <a:noFill/>
-          <a:ln>
-            <a:noFill/>
-          </a:ln>
-          <a:effectLst/>
-          <a:extLst>
-            <a:ext uri="{909E8E84-426E-40DD-AFC4-6F175D3DCCD1}">
-              <a14:hiddenFill xmlns:a14="http://schemas.microsoft.com/office/drawing/2010/main">
-                <a:solidFill>
-                  <a:schemeClr val="accent1"/>
-                </a:solidFill>
-              </a14:hiddenFill>
-            </a:ext>
-            <a:ext uri="{91240B29-F687-4F45-9708-019B960494DF}">
-              <a14:hiddenLine xmlns:a14="http://schemas.microsoft.com/office/drawing/2010/main" w="9525">
-                <a:solidFill>
-                  <a:schemeClr val="tx1"/>
-                </a:solidFill>
-                <a:miter lim="800000"/>
-                <a:headEnd/>
-                <a:tailEnd/>
-              </a14:hiddenLine>
-            </a:ext>
-            <a:ext uri="{AF507438-7753-43E0-B8FC-AC1667EBCBE1}">
-              <a14:hiddenEffects xmlns:a14="http://schemas.microsoft.com/office/drawing/2010/main">
-                <a:effectLst>
-                  <a:outerShdw dist="35921" dir="2700000" algn="ctr" rotWithShape="0">
-                    <a:schemeClr val="bg2"/>
-                  </a:outerShdw>
-                </a:effectLst>
-              </a14:hiddenEffects>
-            </a:ext>
-          </a:extLst>
-        </p:spPr>
-      </p:pic>
-      <p:sp>
-        <p:nvSpPr>
-          <p:cNvPr id="6" name="Заголовок 1"/>
-          <p:cNvSpPr txBox="1">
-            <a:spLocks/>
-          </p:cNvSpPr>
-          <p:nvPr/>
-        </p:nvSpPr>
-        <p:spPr>
-          <a:xfrm>
-            <a:off x="1691680" y="1131590"/>
-            <a:ext cx="6768752" cy="857250"/>
-          </a:xfrm>
-          <a:prstGeom prst="rect">
-            <a:avLst/>
-          </a:prstGeom>
-        </p:spPr>
-        <p:txBody>
-          <a:bodyPr vert="horz" lIns="91440" tIns="45720" rIns="91440" bIns="45720" rtlCol="0" anchor="ctr">
-            <a:normAutofit/>
-          </a:bodyPr>
-          <a:lstStyle>
-            <a:lvl1pPr algn="ctr" defTabSz="914400" rtl="0" eaLnBrk="1" latinLnBrk="0" hangingPunct="1">
-              <a:spcBef>
-                <a:spcPct val="0"/>
-              </a:spcBef>
-              <a:buNone/>
-              <a:defRPr sz="4400" kern="1200">
-                <a:solidFill>
-                  <a:schemeClr val="tx1"/>
-                </a:solidFill>
-                <a:latin typeface="+mj-lt"/>
-                <a:ea typeface="+mj-ea"/>
-                <a:cs typeface="+mj-cs"/>
-              </a:defRPr>
-            </a:lvl1pPr>
-          </a:lstStyle>
-          <a:p>
-            <a:pPr algn="l"/>
-            <a:r>
-              <a:rPr lang="ru-RU" sz="2400" dirty="0">
-                <a:solidFill>
-                  <a:schemeClr val="tx1">
-                    <a:lumMod val="75000"/>
-                    <a:lumOff val="25000"/>
-                  </a:schemeClr>
-                </a:solidFill>
-                <a:cs typeface="Adobe Hebrew" pitchFamily="18" charset="-79"/>
-              </a:rPr>
-              <a:t>На базе какой теории основан проект</a:t>
-            </a:r>
-          </a:p>
-        </p:txBody>
-      </p:sp>
-      <p:sp>
-        <p:nvSpPr>
-          <p:cNvPr id="7" name="Прямоугольник 6"/>
-          <p:cNvSpPr/>
-          <p:nvPr/>
-        </p:nvSpPr>
-        <p:spPr>
-          <a:xfrm>
-            <a:off x="7906161" y="26766"/>
-            <a:ext cx="1237839" cy="584775"/>
-          </a:xfrm>
-          <a:prstGeom prst="rect">
-            <a:avLst/>
-          </a:prstGeom>
-        </p:spPr>
-        <p:txBody>
-          <a:bodyPr wrap="none">
-            <a:spAutoFit/>
-          </a:bodyPr>
-          <a:lstStyle/>
-          <a:p>
-            <a:r>
-              <a:rPr lang="ru-RU" sz="3200" b="1" dirty="0">
-                <a:solidFill>
-                  <a:schemeClr val="bg1">
-                    <a:lumMod val="50000"/>
-                  </a:schemeClr>
-                </a:solidFill>
-                <a:cs typeface="Adobe Hebrew" pitchFamily="18" charset="-79"/>
-              </a:rPr>
-              <a:t>№ :00</a:t>
-            </a:r>
-          </a:p>
-        </p:txBody>
-      </p:sp>
-    </p:spTree>
-    <p:extLst>
-      <p:ext uri="{BB962C8B-B14F-4D97-AF65-F5344CB8AC3E}">
-        <p14:creationId xmlns:p14="http://schemas.microsoft.com/office/powerpoint/2010/main" val="2084684860"/>
-      </p:ext>
-    </p:extLst>
-  </p:cSld>
-  <p:clrMapOvr>
-    <a:masterClrMapping/>
-  </p:clrMapOvr>
-</p:sld>
-</file>
-
-<file path=ppt/slides/slide5.xml><?xml version="1.0" encoding="utf-8"?>
-<p:sld xmlns:a="http://schemas.openxmlformats.org/drawingml/2006/main" xmlns:r="http://schemas.openxmlformats.org/officeDocument/2006/relationships" xmlns:p="http://schemas.openxmlformats.org/presentationml/2006/main">
-  <p:cSld>
-    <p:spTree>
-      <p:nvGrpSpPr>
-        <p:cNvPr id="1" name=""/>
-        <p:cNvGrpSpPr/>
-        <p:nvPr/>
-      </p:nvGrpSpPr>
-      <p:grpSpPr>
-        <a:xfrm>
-          <a:off x="0" y="0"/>
-          <a:ext cx="0" cy="0"/>
-          <a:chOff x="0" y="0"/>
-          <a:chExt cx="0" cy="0"/>
-        </a:xfrm>
-      </p:grpSpPr>
-      <p:sp>
-        <p:nvSpPr>
-          <p:cNvPr id="2" name="Заголовок 1"/>
-          <p:cNvSpPr>
-            <a:spLocks noGrp="1"/>
-          </p:cNvSpPr>
-          <p:nvPr>
-            <p:ph type="title"/>
-          </p:nvPr>
-        </p:nvSpPr>
-        <p:spPr>
-          <a:xfrm>
-            <a:off x="1403648" y="43913"/>
-            <a:ext cx="6768752" cy="857250"/>
-          </a:xfrm>
-        </p:spPr>
-        <p:txBody>
-          <a:bodyPr>
-            <a:normAutofit/>
-          </a:bodyPr>
-          <a:lstStyle/>
-          <a:p>
-            <a:r>
-              <a:rPr lang="ru-RU" sz="3600" b="1" dirty="0">
-                <a:solidFill>
-                  <a:srgbClr val="7030A0"/>
-                </a:solidFill>
-                <a:cs typeface="Adobe Hebrew" pitchFamily="18" charset="-79"/>
-              </a:rPr>
-              <a:t>Анализ существующих решений</a:t>
-            </a:r>
-            <a:endParaRPr lang="ru-RU" sz="3600" dirty="0">
-              <a:solidFill>
-                <a:srgbClr val="7030A0"/>
-              </a:solidFill>
-              <a:cs typeface="Adobe Hebrew" pitchFamily="18" charset="-79"/>
-            </a:endParaRPr>
-          </a:p>
-        </p:txBody>
-      </p:sp>
-      <p:pic>
-        <p:nvPicPr>
-          <p:cNvPr id="5" name="Picture 3"/>
-          <p:cNvPicPr>
-            <a:picLocks noChangeAspect="1" noChangeArrowheads="1"/>
-          </p:cNvPicPr>
-          <p:nvPr/>
-        </p:nvPicPr>
-        <p:blipFill>
-          <a:blip r:embed="rId2" cstate="print">
-            <a:extLst>
-              <a:ext uri="{28A0092B-C50C-407E-A947-70E740481C1C}">
-                <a14:useLocalDpi xmlns:a14="http://schemas.microsoft.com/office/drawing/2010/main" val="0"/>
-              </a:ext>
-            </a:extLst>
-          </a:blip>
-          <a:srcRect/>
-          <a:stretch>
-            <a:fillRect/>
-          </a:stretch>
-        </p:blipFill>
-        <p:spPr bwMode="auto">
-          <a:xfrm>
-            <a:off x="179512" y="1325207"/>
-            <a:ext cx="973574" cy="3795886"/>
-          </a:xfrm>
-          <a:prstGeom prst="rect">
-            <a:avLst/>
-          </a:prstGeom>
-          <a:noFill/>
-          <a:ln>
-            <a:noFill/>
-          </a:ln>
-          <a:effectLst/>
-          <a:extLst>
-            <a:ext uri="{909E8E84-426E-40DD-AFC4-6F175D3DCCD1}">
-              <a14:hiddenFill xmlns:a14="http://schemas.microsoft.com/office/drawing/2010/main">
-                <a:solidFill>
-                  <a:schemeClr val="accent1"/>
-                </a:solidFill>
-              </a14:hiddenFill>
-            </a:ext>
-            <a:ext uri="{91240B29-F687-4F45-9708-019B960494DF}">
-              <a14:hiddenLine xmlns:a14="http://schemas.microsoft.com/office/drawing/2010/main" w="9525">
-                <a:solidFill>
-                  <a:schemeClr val="tx1"/>
-                </a:solidFill>
-                <a:miter lim="800000"/>
-                <a:headEnd/>
-                <a:tailEnd/>
-              </a14:hiddenLine>
-            </a:ext>
-            <a:ext uri="{AF507438-7753-43E0-B8FC-AC1667EBCBE1}">
-              <a14:hiddenEffects xmlns:a14="http://schemas.microsoft.com/office/drawing/2010/main">
-                <a:effectLst>
-                  <a:outerShdw dist="35921" dir="2700000" algn="ctr" rotWithShape="0">
-                    <a:schemeClr val="bg2"/>
-                  </a:outerShdw>
-                </a:effectLst>
-              </a14:hiddenEffects>
-            </a:ext>
-          </a:extLst>
-        </p:spPr>
-      </p:pic>
-      <p:pic>
-        <p:nvPicPr>
-          <p:cNvPr id="11" name="Picture 4"/>
-          <p:cNvPicPr>
-            <a:picLocks noChangeAspect="1" noChangeArrowheads="1"/>
-          </p:cNvPicPr>
-          <p:nvPr/>
-        </p:nvPicPr>
-        <p:blipFill>
-          <a:blip r:embed="rId3">
-            <a:extLst>
-              <a:ext uri="{28A0092B-C50C-407E-A947-70E740481C1C}">
-                <a14:useLocalDpi xmlns:a14="http://schemas.microsoft.com/office/drawing/2010/main" val="0"/>
-              </a:ext>
-            </a:extLst>
-          </a:blip>
-          <a:srcRect/>
-          <a:stretch>
-            <a:fillRect/>
-          </a:stretch>
-        </p:blipFill>
-        <p:spPr bwMode="auto">
-          <a:xfrm>
-            <a:off x="179512" y="10528"/>
-            <a:ext cx="985849" cy="977046"/>
-          </a:xfrm>
-          <a:prstGeom prst="rect">
-            <a:avLst/>
-          </a:prstGeom>
-          <a:noFill/>
-          <a:ln>
-            <a:noFill/>
-          </a:ln>
-          <a:effectLst/>
-          <a:extLst>
-            <a:ext uri="{909E8E84-426E-40DD-AFC4-6F175D3DCCD1}">
-              <a14:hiddenFill xmlns:a14="http://schemas.microsoft.com/office/drawing/2010/main">
-                <a:solidFill>
-                  <a:schemeClr val="accent1"/>
-                </a:solidFill>
-              </a14:hiddenFill>
-            </a:ext>
-            <a:ext uri="{91240B29-F687-4F45-9708-019B960494DF}">
-              <a14:hiddenLine xmlns:a14="http://schemas.microsoft.com/office/drawing/2010/main" w="9525">
-                <a:solidFill>
-                  <a:schemeClr val="tx1"/>
-                </a:solidFill>
-                <a:miter lim="800000"/>
-                <a:headEnd/>
-                <a:tailEnd/>
-              </a14:hiddenLine>
-            </a:ext>
-            <a:ext uri="{AF507438-7753-43E0-B8FC-AC1667EBCBE1}">
-              <a14:hiddenEffects xmlns:a14="http://schemas.microsoft.com/office/drawing/2010/main">
-                <a:effectLst>
-                  <a:outerShdw dist="35921" dir="2700000" algn="ctr" rotWithShape="0">
-                    <a:schemeClr val="bg2"/>
-                  </a:outerShdw>
-                </a:effectLst>
-              </a14:hiddenEffects>
-            </a:ext>
-          </a:extLst>
-        </p:spPr>
-      </p:pic>
-      <p:sp>
-        <p:nvSpPr>
-          <p:cNvPr id="6" name="Заголовок 1"/>
-          <p:cNvSpPr txBox="1">
-            <a:spLocks/>
-          </p:cNvSpPr>
-          <p:nvPr/>
-        </p:nvSpPr>
-        <p:spPr>
-          <a:xfrm>
-            <a:off x="1835696" y="1491630"/>
-            <a:ext cx="6768752" cy="857250"/>
-          </a:xfrm>
-          <a:prstGeom prst="rect">
-            <a:avLst/>
-          </a:prstGeom>
-        </p:spPr>
-        <p:txBody>
-          <a:bodyPr vert="horz" lIns="91440" tIns="45720" rIns="91440" bIns="45720" rtlCol="0" anchor="ctr">
-            <a:normAutofit/>
-          </a:bodyPr>
-          <a:lstStyle>
-            <a:lvl1pPr algn="ctr" defTabSz="914400" rtl="0" eaLnBrk="1" latinLnBrk="0" hangingPunct="1">
-              <a:spcBef>
-                <a:spcPct val="0"/>
-              </a:spcBef>
-              <a:buNone/>
-              <a:defRPr sz="4400" kern="1200">
-                <a:solidFill>
-                  <a:schemeClr val="tx1"/>
-                </a:solidFill>
-                <a:latin typeface="+mj-lt"/>
-                <a:ea typeface="+mj-ea"/>
-                <a:cs typeface="+mj-cs"/>
-              </a:defRPr>
-            </a:lvl1pPr>
-          </a:lstStyle>
-          <a:p>
-            <a:pPr algn="l"/>
-            <a:r>
-              <a:rPr lang="ru-RU" sz="2400" dirty="0">
-                <a:solidFill>
-                  <a:schemeClr val="tx1">
-                    <a:lumMod val="75000"/>
-                    <a:lumOff val="25000"/>
-                  </a:schemeClr>
-                </a:solidFill>
-                <a:cs typeface="Adobe Hebrew" pitchFamily="18" charset="-79"/>
-              </a:rPr>
-              <a:t>Какие решения рассматривались и какое выбрали и почему</a:t>
-            </a:r>
-          </a:p>
-        </p:txBody>
-      </p:sp>
-      <p:sp>
-        <p:nvSpPr>
-          <p:cNvPr id="7" name="Прямоугольник 6"/>
-          <p:cNvSpPr/>
-          <p:nvPr/>
-        </p:nvSpPr>
-        <p:spPr>
-          <a:xfrm>
-            <a:off x="7906161" y="26766"/>
-            <a:ext cx="1237839" cy="584775"/>
-          </a:xfrm>
-          <a:prstGeom prst="rect">
-            <a:avLst/>
-          </a:prstGeom>
-        </p:spPr>
-        <p:txBody>
-          <a:bodyPr wrap="none">
-            <a:spAutoFit/>
-          </a:bodyPr>
-          <a:lstStyle/>
-          <a:p>
-            <a:r>
-              <a:rPr lang="ru-RU" sz="3200" b="1" dirty="0">
-                <a:solidFill>
-                  <a:schemeClr val="bg1">
-                    <a:lumMod val="50000"/>
-                  </a:schemeClr>
-                </a:solidFill>
-                <a:cs typeface="Adobe Hebrew" pitchFamily="18" charset="-79"/>
-              </a:rPr>
-              <a:t>№ :00</a:t>
-            </a:r>
-          </a:p>
-        </p:txBody>
-      </p:sp>
-    </p:spTree>
-    <p:extLst>
-      <p:ext uri="{BB962C8B-B14F-4D97-AF65-F5344CB8AC3E}">
-        <p14:creationId xmlns:p14="http://schemas.microsoft.com/office/powerpoint/2010/main" val="4070943685"/>
-      </p:ext>
-    </p:extLst>
-  </p:cSld>
-  <p:clrMapOvr>
-    <a:masterClrMapping/>
-  </p:clrMapOvr>
-</p:sld>
-</file>
-
-<file path=ppt/slides/slide6.xml><?xml version="1.0" encoding="utf-8"?>
-<p:sld xmlns:a="http://schemas.openxmlformats.org/drawingml/2006/main" xmlns:r="http://schemas.openxmlformats.org/officeDocument/2006/relationships" xmlns:p="http://schemas.openxmlformats.org/presentationml/2006/main">
-  <p:cSld>
-    <p:spTree>
-      <p:nvGrpSpPr>
-        <p:cNvPr id="1" name=""/>
-        <p:cNvGrpSpPr/>
-        <p:nvPr/>
-      </p:nvGrpSpPr>
-      <p:grpSpPr>
-        <a:xfrm>
-          <a:off x="0" y="0"/>
-          <a:ext cx="0" cy="0"/>
-          <a:chOff x="0" y="0"/>
-          <a:chExt cx="0" cy="0"/>
-        </a:xfrm>
-      </p:grpSpPr>
-      <p:sp>
-        <p:nvSpPr>
-          <p:cNvPr id="2" name="Заголовок 1"/>
-          <p:cNvSpPr>
-            <a:spLocks noGrp="1"/>
-          </p:cNvSpPr>
-          <p:nvPr>
-            <p:ph type="title"/>
-          </p:nvPr>
-        </p:nvSpPr>
-        <p:spPr>
-          <a:xfrm>
-            <a:off x="1403648" y="43913"/>
-            <a:ext cx="6768752" cy="857250"/>
-          </a:xfrm>
-        </p:spPr>
-        <p:txBody>
-          <a:bodyPr>
-            <a:normAutofit/>
-          </a:bodyPr>
-          <a:lstStyle/>
-          <a:p>
-            <a:r>
-              <a:rPr lang="ru-RU" b="1" dirty="0">
-                <a:solidFill>
-                  <a:srgbClr val="7030A0"/>
-                </a:solidFill>
-                <a:cs typeface="Adobe Hebrew" pitchFamily="18" charset="-79"/>
-              </a:rPr>
-              <a:t>Технологические решения</a:t>
-            </a:r>
-            <a:endParaRPr lang="ru-RU" sz="3100" dirty="0">
-              <a:solidFill>
-                <a:srgbClr val="7030A0"/>
-              </a:solidFill>
-              <a:cs typeface="Adobe Hebrew" pitchFamily="18" charset="-79"/>
-            </a:endParaRPr>
-          </a:p>
-        </p:txBody>
-      </p:sp>
-      <p:pic>
-        <p:nvPicPr>
-          <p:cNvPr id="5" name="Picture 3"/>
-          <p:cNvPicPr>
-            <a:picLocks noChangeAspect="1" noChangeArrowheads="1"/>
-          </p:cNvPicPr>
-          <p:nvPr/>
-        </p:nvPicPr>
-        <p:blipFill>
-          <a:blip r:embed="rId2" cstate="print">
-            <a:extLst>
-              <a:ext uri="{28A0092B-C50C-407E-A947-70E740481C1C}">
-                <a14:useLocalDpi xmlns:a14="http://schemas.microsoft.com/office/drawing/2010/main" val="0"/>
-              </a:ext>
-            </a:extLst>
-          </a:blip>
-          <a:srcRect/>
-          <a:stretch>
-            <a:fillRect/>
-          </a:stretch>
-        </p:blipFill>
-        <p:spPr bwMode="auto">
-          <a:xfrm>
-            <a:off x="179512" y="1325207"/>
-            <a:ext cx="973574" cy="3795886"/>
-          </a:xfrm>
-          <a:prstGeom prst="rect">
-            <a:avLst/>
-          </a:prstGeom>
-          <a:noFill/>
-          <a:ln>
-            <a:noFill/>
-          </a:ln>
-          <a:effectLst/>
-          <a:extLst>
-            <a:ext uri="{909E8E84-426E-40DD-AFC4-6F175D3DCCD1}">
-              <a14:hiddenFill xmlns:a14="http://schemas.microsoft.com/office/drawing/2010/main">
-                <a:solidFill>
-                  <a:schemeClr val="accent1"/>
-                </a:solidFill>
-              </a14:hiddenFill>
-            </a:ext>
-            <a:ext uri="{91240B29-F687-4F45-9708-019B960494DF}">
-              <a14:hiddenLine xmlns:a14="http://schemas.microsoft.com/office/drawing/2010/main" w="9525">
-                <a:solidFill>
-                  <a:schemeClr val="tx1"/>
-                </a:solidFill>
-                <a:miter lim="800000"/>
-                <a:headEnd/>
-                <a:tailEnd/>
-              </a14:hiddenLine>
-            </a:ext>
-            <a:ext uri="{AF507438-7753-43E0-B8FC-AC1667EBCBE1}">
-              <a14:hiddenEffects xmlns:a14="http://schemas.microsoft.com/office/drawing/2010/main">
-                <a:effectLst>
-                  <a:outerShdw dist="35921" dir="2700000" algn="ctr" rotWithShape="0">
-                    <a:schemeClr val="bg2"/>
-                  </a:outerShdw>
-                </a:effectLst>
-              </a14:hiddenEffects>
-            </a:ext>
-          </a:extLst>
-        </p:spPr>
-      </p:pic>
-      <p:pic>
-        <p:nvPicPr>
-          <p:cNvPr id="11" name="Picture 4"/>
-          <p:cNvPicPr>
-            <a:picLocks noChangeAspect="1" noChangeArrowheads="1"/>
-          </p:cNvPicPr>
-          <p:nvPr/>
-        </p:nvPicPr>
-        <p:blipFill>
-          <a:blip r:embed="rId3">
-            <a:extLst>
-              <a:ext uri="{28A0092B-C50C-407E-A947-70E740481C1C}">
-                <a14:useLocalDpi xmlns:a14="http://schemas.microsoft.com/office/drawing/2010/main" val="0"/>
-              </a:ext>
-            </a:extLst>
-          </a:blip>
-          <a:srcRect/>
-          <a:stretch>
-            <a:fillRect/>
-          </a:stretch>
-        </p:blipFill>
-        <p:spPr bwMode="auto">
-          <a:xfrm>
-            <a:off x="179512" y="10528"/>
-            <a:ext cx="985849" cy="977046"/>
-          </a:xfrm>
-          <a:prstGeom prst="rect">
-            <a:avLst/>
-          </a:prstGeom>
-          <a:noFill/>
-          <a:ln>
-            <a:noFill/>
-          </a:ln>
-          <a:effectLst/>
-          <a:extLst>
-            <a:ext uri="{909E8E84-426E-40DD-AFC4-6F175D3DCCD1}">
-              <a14:hiddenFill xmlns:a14="http://schemas.microsoft.com/office/drawing/2010/main">
-                <a:solidFill>
-                  <a:schemeClr val="accent1"/>
-                </a:solidFill>
-              </a14:hiddenFill>
-            </a:ext>
-            <a:ext uri="{91240B29-F687-4F45-9708-019B960494DF}">
-              <a14:hiddenLine xmlns:a14="http://schemas.microsoft.com/office/drawing/2010/main" w="9525">
-                <a:solidFill>
-                  <a:schemeClr val="tx1"/>
-                </a:solidFill>
-                <a:miter lim="800000"/>
-                <a:headEnd/>
-                <a:tailEnd/>
-              </a14:hiddenLine>
-            </a:ext>
-            <a:ext uri="{AF507438-7753-43E0-B8FC-AC1667EBCBE1}">
-              <a14:hiddenEffects xmlns:a14="http://schemas.microsoft.com/office/drawing/2010/main">
-                <a:effectLst>
-                  <a:outerShdw dist="35921" dir="2700000" algn="ctr" rotWithShape="0">
-                    <a:schemeClr val="bg2"/>
-                  </a:outerShdw>
-                </a:effectLst>
-              </a14:hiddenEffects>
-            </a:ext>
-          </a:extLst>
-        </p:spPr>
-      </p:pic>
-      <p:sp>
-        <p:nvSpPr>
-          <p:cNvPr id="6" name="Заголовок 1"/>
-          <p:cNvSpPr txBox="1">
-            <a:spLocks/>
-          </p:cNvSpPr>
-          <p:nvPr/>
-        </p:nvSpPr>
-        <p:spPr>
-          <a:xfrm>
-            <a:off x="1691680" y="1131590"/>
-            <a:ext cx="6768752" cy="857250"/>
-          </a:xfrm>
-          <a:prstGeom prst="rect">
-            <a:avLst/>
-          </a:prstGeom>
-        </p:spPr>
-        <p:txBody>
-          <a:bodyPr vert="horz" lIns="91440" tIns="45720" rIns="91440" bIns="45720" rtlCol="0" anchor="ctr">
-            <a:normAutofit/>
-          </a:bodyPr>
-          <a:lstStyle>
-            <a:lvl1pPr algn="ctr" defTabSz="914400" rtl="0" eaLnBrk="1" latinLnBrk="0" hangingPunct="1">
-              <a:spcBef>
-                <a:spcPct val="0"/>
-              </a:spcBef>
-              <a:buNone/>
-              <a:defRPr sz="4400" kern="1200">
-                <a:solidFill>
-                  <a:schemeClr val="tx1"/>
-                </a:solidFill>
-                <a:latin typeface="+mj-lt"/>
-                <a:ea typeface="+mj-ea"/>
-                <a:cs typeface="+mj-cs"/>
-              </a:defRPr>
-            </a:lvl1pPr>
-          </a:lstStyle>
-          <a:p>
-            <a:pPr algn="l"/>
-            <a:r>
-              <a:rPr lang="ru-RU" sz="2400" dirty="0">
-                <a:solidFill>
-                  <a:schemeClr val="tx1">
-                    <a:lumMod val="75000"/>
-                    <a:lumOff val="25000"/>
-                  </a:schemeClr>
-                </a:solidFill>
-                <a:cs typeface="Adobe Hebrew" pitchFamily="18" charset="-79"/>
-              </a:rPr>
-              <a:t>Какие решения рассматривались и какие выбрали и почему</a:t>
-            </a:r>
-          </a:p>
-        </p:txBody>
-      </p:sp>
-      <p:sp>
-        <p:nvSpPr>
-          <p:cNvPr id="7" name="Прямоугольник 6"/>
-          <p:cNvSpPr/>
-          <p:nvPr/>
-        </p:nvSpPr>
-        <p:spPr>
-          <a:xfrm>
-            <a:off x="7906161" y="26766"/>
-            <a:ext cx="1237839" cy="584775"/>
-          </a:xfrm>
-          <a:prstGeom prst="rect">
-            <a:avLst/>
-          </a:prstGeom>
-        </p:spPr>
-        <p:txBody>
-          <a:bodyPr wrap="none">
-            <a:spAutoFit/>
-          </a:bodyPr>
-          <a:lstStyle/>
-          <a:p>
-            <a:r>
-              <a:rPr lang="ru-RU" sz="3200" b="1" dirty="0">
-                <a:solidFill>
-                  <a:schemeClr val="bg1">
-                    <a:lumMod val="50000"/>
-                  </a:schemeClr>
-                </a:solidFill>
-                <a:cs typeface="Adobe Hebrew" pitchFamily="18" charset="-79"/>
-              </a:rPr>
-              <a:t>№ :00</a:t>
-            </a:r>
-          </a:p>
-        </p:txBody>
-      </p:sp>
-    </p:spTree>
-    <p:extLst>
-      <p:ext uri="{BB962C8B-B14F-4D97-AF65-F5344CB8AC3E}">
-        <p14:creationId xmlns:p14="http://schemas.microsoft.com/office/powerpoint/2010/main" val="2059591572"/>
-      </p:ext>
-    </p:extLst>
-  </p:cSld>
-  <p:clrMapOvr>
-    <a:masterClrMapping/>
-  </p:clrMapOvr>
-</p:sld>
-</file>
-
-<file path=ppt/slides/slide7.xml><?xml version="1.0" encoding="utf-8"?>
-<p:sld xmlns:a="http://schemas.openxmlformats.org/drawingml/2006/main" xmlns:r="http://schemas.openxmlformats.org/officeDocument/2006/relationships" xmlns:p="http://schemas.openxmlformats.org/presentationml/2006/main">
-  <p:cSld>
-    <p:spTree>
-      <p:nvGrpSpPr>
-        <p:cNvPr id="1" name=""/>
-        <p:cNvGrpSpPr/>
-        <p:nvPr/>
-      </p:nvGrpSpPr>
-      <p:grpSpPr>
-        <a:xfrm>
-          <a:off x="0" y="0"/>
-          <a:ext cx="0" cy="0"/>
-          <a:chOff x="0" y="0"/>
-          <a:chExt cx="0" cy="0"/>
-        </a:xfrm>
-      </p:grpSpPr>
-      <p:sp>
-        <p:nvSpPr>
-          <p:cNvPr id="2" name="Заголовок 1"/>
-          <p:cNvSpPr>
-            <a:spLocks noGrp="1"/>
-          </p:cNvSpPr>
-          <p:nvPr>
-            <p:ph type="title"/>
-          </p:nvPr>
-        </p:nvSpPr>
-        <p:spPr>
-          <a:xfrm>
-            <a:off x="1403648" y="43913"/>
-            <a:ext cx="6768752" cy="857250"/>
-          </a:xfrm>
-        </p:spPr>
-        <p:txBody>
-          <a:bodyPr>
-            <a:normAutofit fontScale="90000"/>
-          </a:bodyPr>
-          <a:lstStyle/>
-          <a:p>
-            <a:r>
-              <a:rPr lang="ru-RU" b="1" dirty="0">
-                <a:solidFill>
-                  <a:srgbClr val="7030A0"/>
-                </a:solidFill>
-                <a:cs typeface="Adobe Hebrew" pitchFamily="18" charset="-79"/>
-              </a:rPr>
-              <a:t>Организационные решения</a:t>
-            </a:r>
-            <a:endParaRPr lang="ru-RU" sz="3100" dirty="0">
-              <a:solidFill>
-                <a:srgbClr val="7030A0"/>
-              </a:solidFill>
-              <a:cs typeface="Adobe Hebrew" pitchFamily="18" charset="-79"/>
-            </a:endParaRPr>
-          </a:p>
-        </p:txBody>
-      </p:sp>
-      <p:pic>
-        <p:nvPicPr>
-          <p:cNvPr id="5" name="Picture 3"/>
-          <p:cNvPicPr>
-            <a:picLocks noChangeAspect="1" noChangeArrowheads="1"/>
-          </p:cNvPicPr>
-          <p:nvPr/>
-        </p:nvPicPr>
-        <p:blipFill>
-          <a:blip r:embed="rId2" cstate="print">
-            <a:extLst>
-              <a:ext uri="{28A0092B-C50C-407E-A947-70E740481C1C}">
-                <a14:useLocalDpi xmlns:a14="http://schemas.microsoft.com/office/drawing/2010/main" val="0"/>
-              </a:ext>
-            </a:extLst>
-          </a:blip>
-          <a:srcRect/>
-          <a:stretch>
-            <a:fillRect/>
-          </a:stretch>
-        </p:blipFill>
-        <p:spPr bwMode="auto">
-          <a:xfrm>
-            <a:off x="179512" y="1325207"/>
-            <a:ext cx="973574" cy="3795886"/>
-          </a:xfrm>
-          <a:prstGeom prst="rect">
-            <a:avLst/>
-          </a:prstGeom>
-          <a:noFill/>
-          <a:ln>
-            <a:noFill/>
-          </a:ln>
-          <a:effectLst/>
-          <a:extLst>
-            <a:ext uri="{909E8E84-426E-40DD-AFC4-6F175D3DCCD1}">
-              <a14:hiddenFill xmlns:a14="http://schemas.microsoft.com/office/drawing/2010/main">
-                <a:solidFill>
-                  <a:schemeClr val="accent1"/>
-                </a:solidFill>
-              </a14:hiddenFill>
-            </a:ext>
-            <a:ext uri="{91240B29-F687-4F45-9708-019B960494DF}">
-              <a14:hiddenLine xmlns:a14="http://schemas.microsoft.com/office/drawing/2010/main" w="9525">
-                <a:solidFill>
-                  <a:schemeClr val="tx1"/>
-                </a:solidFill>
-                <a:miter lim="800000"/>
-                <a:headEnd/>
-                <a:tailEnd/>
-              </a14:hiddenLine>
-            </a:ext>
-            <a:ext uri="{AF507438-7753-43E0-B8FC-AC1667EBCBE1}">
-              <a14:hiddenEffects xmlns:a14="http://schemas.microsoft.com/office/drawing/2010/main">
-                <a:effectLst>
-                  <a:outerShdw dist="35921" dir="2700000" algn="ctr" rotWithShape="0">
-                    <a:schemeClr val="bg2"/>
-                  </a:outerShdw>
-                </a:effectLst>
-              </a14:hiddenEffects>
-            </a:ext>
-          </a:extLst>
-        </p:spPr>
-      </p:pic>
-      <p:pic>
-        <p:nvPicPr>
-          <p:cNvPr id="11" name="Picture 4"/>
-          <p:cNvPicPr>
-            <a:picLocks noChangeAspect="1" noChangeArrowheads="1"/>
-          </p:cNvPicPr>
-          <p:nvPr/>
-        </p:nvPicPr>
-        <p:blipFill>
-          <a:blip r:embed="rId3">
-            <a:extLst>
-              <a:ext uri="{28A0092B-C50C-407E-A947-70E740481C1C}">
-                <a14:useLocalDpi xmlns:a14="http://schemas.microsoft.com/office/drawing/2010/main" val="0"/>
-              </a:ext>
-            </a:extLst>
-          </a:blip>
-          <a:srcRect/>
-          <a:stretch>
-            <a:fillRect/>
-          </a:stretch>
-        </p:blipFill>
-        <p:spPr bwMode="auto">
-          <a:xfrm>
-            <a:off x="179512" y="10528"/>
-            <a:ext cx="985849" cy="977046"/>
-          </a:xfrm>
-          <a:prstGeom prst="rect">
-            <a:avLst/>
-          </a:prstGeom>
-          <a:noFill/>
-          <a:ln>
-            <a:noFill/>
-          </a:ln>
-          <a:effectLst/>
-          <a:extLst>
-            <a:ext uri="{909E8E84-426E-40DD-AFC4-6F175D3DCCD1}">
-              <a14:hiddenFill xmlns:a14="http://schemas.microsoft.com/office/drawing/2010/main">
-                <a:solidFill>
-                  <a:schemeClr val="accent1"/>
-                </a:solidFill>
-              </a14:hiddenFill>
-            </a:ext>
-            <a:ext uri="{91240B29-F687-4F45-9708-019B960494DF}">
-              <a14:hiddenLine xmlns:a14="http://schemas.microsoft.com/office/drawing/2010/main" w="9525">
-                <a:solidFill>
-                  <a:schemeClr val="tx1"/>
-                </a:solidFill>
-                <a:miter lim="800000"/>
-                <a:headEnd/>
-                <a:tailEnd/>
-              </a14:hiddenLine>
-            </a:ext>
-            <a:ext uri="{AF507438-7753-43E0-B8FC-AC1667EBCBE1}">
-              <a14:hiddenEffects xmlns:a14="http://schemas.microsoft.com/office/drawing/2010/main">
-                <a:effectLst>
-                  <a:outerShdw dist="35921" dir="2700000" algn="ctr" rotWithShape="0">
-                    <a:schemeClr val="bg2"/>
-                  </a:outerShdw>
-                </a:effectLst>
-              </a14:hiddenEffects>
-            </a:ext>
-          </a:extLst>
-        </p:spPr>
-      </p:pic>
-      <p:sp>
-        <p:nvSpPr>
-          <p:cNvPr id="6" name="Заголовок 1"/>
-          <p:cNvSpPr txBox="1">
-            <a:spLocks/>
-          </p:cNvSpPr>
-          <p:nvPr/>
-        </p:nvSpPr>
-        <p:spPr>
-          <a:xfrm>
-            <a:off x="1691680" y="1131590"/>
-            <a:ext cx="6768752" cy="857250"/>
-          </a:xfrm>
-          <a:prstGeom prst="rect">
-            <a:avLst/>
-          </a:prstGeom>
-        </p:spPr>
-        <p:txBody>
-          <a:bodyPr vert="horz" lIns="91440" tIns="45720" rIns="91440" bIns="45720" rtlCol="0" anchor="ctr">
-            <a:normAutofit/>
-          </a:bodyPr>
-          <a:lstStyle>
-            <a:lvl1pPr algn="ctr" defTabSz="914400" rtl="0" eaLnBrk="1" latinLnBrk="0" hangingPunct="1">
-              <a:spcBef>
-                <a:spcPct val="0"/>
-              </a:spcBef>
-              <a:buNone/>
-              <a:defRPr sz="4400" kern="1200">
-                <a:solidFill>
-                  <a:schemeClr val="tx1"/>
-                </a:solidFill>
-                <a:latin typeface="+mj-lt"/>
-                <a:ea typeface="+mj-ea"/>
-                <a:cs typeface="+mj-cs"/>
-              </a:defRPr>
-            </a:lvl1pPr>
-          </a:lstStyle>
-          <a:p>
-            <a:pPr algn="l"/>
-            <a:r>
-              <a:rPr lang="ru-RU" sz="2400" dirty="0">
-                <a:solidFill>
-                  <a:schemeClr val="tx1">
-                    <a:lumMod val="75000"/>
-                    <a:lumOff val="25000"/>
-                  </a:schemeClr>
-                </a:solidFill>
-                <a:cs typeface="Adobe Hebrew" pitchFamily="18" charset="-79"/>
-              </a:rPr>
-              <a:t>Какие решения рассматривались и какие выбрали и почему</a:t>
-            </a:r>
-          </a:p>
-        </p:txBody>
-      </p:sp>
-      <p:sp>
-        <p:nvSpPr>
-          <p:cNvPr id="7" name="Прямоугольник 6"/>
-          <p:cNvSpPr/>
-          <p:nvPr/>
-        </p:nvSpPr>
-        <p:spPr>
-          <a:xfrm>
-            <a:off x="7906161" y="26766"/>
-            <a:ext cx="1237839" cy="584775"/>
-          </a:xfrm>
-          <a:prstGeom prst="rect">
-            <a:avLst/>
-          </a:prstGeom>
-        </p:spPr>
-        <p:txBody>
-          <a:bodyPr wrap="none">
-            <a:spAutoFit/>
-          </a:bodyPr>
-          <a:lstStyle/>
-          <a:p>
-            <a:r>
-              <a:rPr lang="ru-RU" sz="3200" b="1" dirty="0">
-                <a:solidFill>
-                  <a:schemeClr val="bg1">
-                    <a:lumMod val="50000"/>
-                  </a:schemeClr>
-                </a:solidFill>
-                <a:cs typeface="Adobe Hebrew" pitchFamily="18" charset="-79"/>
-              </a:rPr>
-              <a:t>№ :00</a:t>
-            </a:r>
-          </a:p>
-        </p:txBody>
-      </p:sp>
-    </p:spTree>
-    <p:extLst>
-      <p:ext uri="{BB962C8B-B14F-4D97-AF65-F5344CB8AC3E}">
-        <p14:creationId xmlns:p14="http://schemas.microsoft.com/office/powerpoint/2010/main" val="2788524156"/>
-      </p:ext>
-    </p:extLst>
-  </p:cSld>
-  <p:clrMapOvr>
-    <a:masterClrMapping/>
-  </p:clrMapOvr>
-</p:sld>
-</file>
-
-<file path=ppt/slides/slide8.xml><?xml version="1.0" encoding="utf-8"?>
-<p:sld xmlns:a="http://schemas.openxmlformats.org/drawingml/2006/main" xmlns:r="http://schemas.openxmlformats.org/officeDocument/2006/relationships" xmlns:p="http://schemas.openxmlformats.org/presentationml/2006/main">
-  <p:cSld>
-    <p:spTree>
-      <p:nvGrpSpPr>
-        <p:cNvPr id="1" name=""/>
-        <p:cNvGrpSpPr/>
-        <p:nvPr/>
-      </p:nvGrpSpPr>
-      <p:grpSpPr>
-        <a:xfrm>
-          <a:off x="0" y="0"/>
-          <a:ext cx="0" cy="0"/>
-          <a:chOff x="0" y="0"/>
-          <a:chExt cx="0" cy="0"/>
-        </a:xfrm>
-      </p:grpSpPr>
-      <p:sp>
-        <p:nvSpPr>
-          <p:cNvPr id="2" name="Заголовок 1"/>
-          <p:cNvSpPr>
-            <a:spLocks noGrp="1"/>
-          </p:cNvSpPr>
-          <p:nvPr>
-            <p:ph type="title"/>
-          </p:nvPr>
-        </p:nvSpPr>
-        <p:spPr>
-          <a:xfrm>
-            <a:off x="1403648" y="202332"/>
-            <a:ext cx="6768752" cy="857250"/>
-          </a:xfrm>
-        </p:spPr>
-        <p:txBody>
-          <a:bodyPr>
-            <a:normAutofit/>
-          </a:bodyPr>
-          <a:lstStyle/>
-          <a:p>
-            <a:r>
-              <a:rPr lang="ru-RU" b="1" dirty="0">
-                <a:solidFill>
-                  <a:srgbClr val="7030A0"/>
-                </a:solidFill>
-                <a:cs typeface="Adobe Hebrew" pitchFamily="18" charset="-79"/>
-              </a:rPr>
-              <a:t>Ход проекта</a:t>
-            </a:r>
-            <a:endParaRPr lang="ru-RU" sz="3100" dirty="0">
-              <a:solidFill>
-                <a:srgbClr val="7030A0"/>
-              </a:solidFill>
-              <a:cs typeface="Adobe Hebrew" pitchFamily="18" charset="-79"/>
-            </a:endParaRPr>
-          </a:p>
-        </p:txBody>
-      </p:sp>
-      <p:pic>
-        <p:nvPicPr>
-          <p:cNvPr id="5" name="Picture 3"/>
-          <p:cNvPicPr>
-            <a:picLocks noChangeAspect="1" noChangeArrowheads="1"/>
-          </p:cNvPicPr>
-          <p:nvPr/>
-        </p:nvPicPr>
-        <p:blipFill>
-          <a:blip r:embed="rId2" cstate="print">
-            <a:extLst>
-              <a:ext uri="{28A0092B-C50C-407E-A947-70E740481C1C}">
-                <a14:useLocalDpi xmlns:a14="http://schemas.microsoft.com/office/drawing/2010/main" val="0"/>
-              </a:ext>
-            </a:extLst>
-          </a:blip>
-          <a:srcRect/>
-          <a:stretch>
-            <a:fillRect/>
-          </a:stretch>
-        </p:blipFill>
-        <p:spPr bwMode="auto">
-          <a:xfrm>
-            <a:off x="179512" y="1325207"/>
-            <a:ext cx="973574" cy="3795886"/>
-          </a:xfrm>
-          <a:prstGeom prst="rect">
-            <a:avLst/>
-          </a:prstGeom>
-          <a:noFill/>
-          <a:ln>
-            <a:noFill/>
-          </a:ln>
-          <a:effectLst/>
-          <a:extLst>
-            <a:ext uri="{909E8E84-426E-40DD-AFC4-6F175D3DCCD1}">
-              <a14:hiddenFill xmlns:a14="http://schemas.microsoft.com/office/drawing/2010/main">
-                <a:solidFill>
-                  <a:schemeClr val="accent1"/>
-                </a:solidFill>
-              </a14:hiddenFill>
-            </a:ext>
-            <a:ext uri="{91240B29-F687-4F45-9708-019B960494DF}">
-              <a14:hiddenLine xmlns:a14="http://schemas.microsoft.com/office/drawing/2010/main" w="9525">
-                <a:solidFill>
-                  <a:schemeClr val="tx1"/>
-                </a:solidFill>
-                <a:miter lim="800000"/>
-                <a:headEnd/>
-                <a:tailEnd/>
-              </a14:hiddenLine>
-            </a:ext>
-            <a:ext uri="{AF507438-7753-43E0-B8FC-AC1667EBCBE1}">
-              <a14:hiddenEffects xmlns:a14="http://schemas.microsoft.com/office/drawing/2010/main">
-                <a:effectLst>
-                  <a:outerShdw dist="35921" dir="2700000" algn="ctr" rotWithShape="0">
-                    <a:schemeClr val="bg2"/>
-                  </a:outerShdw>
-                </a:effectLst>
-              </a14:hiddenEffects>
-            </a:ext>
-          </a:extLst>
-        </p:spPr>
-      </p:pic>
-      <p:pic>
-        <p:nvPicPr>
-          <p:cNvPr id="11" name="Picture 4"/>
-          <p:cNvPicPr>
-            <a:picLocks noChangeAspect="1" noChangeArrowheads="1"/>
-          </p:cNvPicPr>
-          <p:nvPr/>
-        </p:nvPicPr>
-        <p:blipFill>
-          <a:blip r:embed="rId3">
-            <a:extLst>
-              <a:ext uri="{28A0092B-C50C-407E-A947-70E740481C1C}">
-                <a14:useLocalDpi xmlns:a14="http://schemas.microsoft.com/office/drawing/2010/main" val="0"/>
-              </a:ext>
-            </a:extLst>
-          </a:blip>
-          <a:srcRect/>
-          <a:stretch>
-            <a:fillRect/>
-          </a:stretch>
-        </p:blipFill>
-        <p:spPr bwMode="auto">
-          <a:xfrm>
-            <a:off x="179512" y="10528"/>
-            <a:ext cx="985849" cy="977046"/>
-          </a:xfrm>
-          <a:prstGeom prst="rect">
-            <a:avLst/>
-          </a:prstGeom>
-          <a:noFill/>
-          <a:ln>
-            <a:noFill/>
-          </a:ln>
-          <a:effectLst/>
-          <a:extLst>
-            <a:ext uri="{909E8E84-426E-40DD-AFC4-6F175D3DCCD1}">
-              <a14:hiddenFill xmlns:a14="http://schemas.microsoft.com/office/drawing/2010/main">
-                <a:solidFill>
-                  <a:schemeClr val="accent1"/>
-                </a:solidFill>
-              </a14:hiddenFill>
-            </a:ext>
-            <a:ext uri="{91240B29-F687-4F45-9708-019B960494DF}">
-              <a14:hiddenLine xmlns:a14="http://schemas.microsoft.com/office/drawing/2010/main" w="9525">
-                <a:solidFill>
-                  <a:schemeClr val="tx1"/>
-                </a:solidFill>
-                <a:miter lim="800000"/>
-                <a:headEnd/>
-                <a:tailEnd/>
-              </a14:hiddenLine>
-            </a:ext>
-            <a:ext uri="{AF507438-7753-43E0-B8FC-AC1667EBCBE1}">
-              <a14:hiddenEffects xmlns:a14="http://schemas.microsoft.com/office/drawing/2010/main">
-                <a:effectLst>
-                  <a:outerShdw dist="35921" dir="2700000" algn="ctr" rotWithShape="0">
-                    <a:schemeClr val="bg2"/>
-                  </a:outerShdw>
-                </a:effectLst>
-              </a14:hiddenEffects>
-            </a:ext>
-          </a:extLst>
-        </p:spPr>
-      </p:pic>
-      <p:sp>
-        <p:nvSpPr>
-          <p:cNvPr id="6" name="Заголовок 1"/>
-          <p:cNvSpPr txBox="1">
-            <a:spLocks/>
-          </p:cNvSpPr>
-          <p:nvPr/>
-        </p:nvSpPr>
-        <p:spPr>
-          <a:xfrm>
-            <a:off x="1691680" y="1131590"/>
-            <a:ext cx="6768752" cy="857250"/>
-          </a:xfrm>
-          <a:prstGeom prst="rect">
-            <a:avLst/>
-          </a:prstGeom>
-        </p:spPr>
-        <p:txBody>
-          <a:bodyPr vert="horz" lIns="91440" tIns="45720" rIns="91440" bIns="45720" rtlCol="0" anchor="ctr">
-            <a:normAutofit/>
-          </a:bodyPr>
-          <a:lstStyle>
-            <a:lvl1pPr algn="ctr" defTabSz="914400" rtl="0" eaLnBrk="1" latinLnBrk="0" hangingPunct="1">
-              <a:spcBef>
-                <a:spcPct val="0"/>
-              </a:spcBef>
-              <a:buNone/>
-              <a:defRPr sz="4400" kern="1200">
-                <a:solidFill>
-                  <a:schemeClr val="tx1"/>
-                </a:solidFill>
-                <a:latin typeface="+mj-lt"/>
-                <a:ea typeface="+mj-ea"/>
-                <a:cs typeface="+mj-cs"/>
-              </a:defRPr>
-            </a:lvl1pPr>
-          </a:lstStyle>
-          <a:p>
-            <a:pPr algn="l"/>
-            <a:r>
-              <a:rPr lang="ru-RU" sz="2400" dirty="0">
-                <a:solidFill>
-                  <a:schemeClr val="tx1">
-                    <a:lumMod val="75000"/>
-                    <a:lumOff val="25000"/>
-                  </a:schemeClr>
-                </a:solidFill>
-                <a:cs typeface="Adobe Hebrew" pitchFamily="18" charset="-79"/>
-              </a:rPr>
-              <a:t>Этапы проекта, как менялись решения в ходе проекта, как проходили испытания</a:t>
-            </a:r>
-          </a:p>
-        </p:txBody>
-      </p:sp>
-      <p:sp>
-        <p:nvSpPr>
-          <p:cNvPr id="7" name="Прямоугольник 6"/>
-          <p:cNvSpPr/>
-          <p:nvPr/>
-        </p:nvSpPr>
-        <p:spPr>
-          <a:xfrm>
-            <a:off x="7906161" y="26766"/>
-            <a:ext cx="1237839" cy="584775"/>
-          </a:xfrm>
-          <a:prstGeom prst="rect">
-            <a:avLst/>
-          </a:prstGeom>
-        </p:spPr>
-        <p:txBody>
-          <a:bodyPr wrap="none">
-            <a:spAutoFit/>
-          </a:bodyPr>
-          <a:lstStyle/>
-          <a:p>
-            <a:r>
-              <a:rPr lang="ru-RU" sz="3200" b="1" dirty="0">
-                <a:solidFill>
-                  <a:schemeClr val="bg1">
-                    <a:lumMod val="50000"/>
-                  </a:schemeClr>
-                </a:solidFill>
-                <a:cs typeface="Adobe Hebrew" pitchFamily="18" charset="-79"/>
-              </a:rPr>
-              <a:t>№ :00</a:t>
-            </a:r>
-          </a:p>
-        </p:txBody>
-      </p:sp>
-    </p:spTree>
-    <p:extLst>
-      <p:ext uri="{BB962C8B-B14F-4D97-AF65-F5344CB8AC3E}">
-        <p14:creationId xmlns:p14="http://schemas.microsoft.com/office/powerpoint/2010/main" val="4078840668"/>
-      </p:ext>
-    </p:extLst>
-  </p:cSld>
-  <p:clrMapOvr>
-    <a:masterClrMapping/>
-  </p:clrMapOvr>
-</p:sld>
-</file>
-
-<file path=ppt/slides/slide9.xml><?xml version="1.0" encoding="utf-8"?>
-<p:sld xmlns:a="http://schemas.openxmlformats.org/drawingml/2006/main" xmlns:r="http://schemas.openxmlformats.org/officeDocument/2006/relationships" xmlns:p="http://schemas.openxmlformats.org/presentationml/2006/main">
-  <p:cSld>
-    <p:spTree>
-      <p:nvGrpSpPr>
-        <p:cNvPr id="1" name=""/>
-        <p:cNvGrpSpPr/>
-        <p:nvPr/>
-      </p:nvGrpSpPr>
-      <p:grpSpPr>
-        <a:xfrm>
-          <a:off x="0" y="0"/>
-          <a:ext cx="0" cy="0"/>
-          <a:chOff x="0" y="0"/>
-          <a:chExt cx="0" cy="0"/>
-        </a:xfrm>
-      </p:grpSpPr>
-      <p:sp>
-        <p:nvSpPr>
-          <p:cNvPr id="2" name="Заголовок 1"/>
-          <p:cNvSpPr>
-            <a:spLocks noGrp="1"/>
-          </p:cNvSpPr>
-          <p:nvPr>
-            <p:ph type="title"/>
-          </p:nvPr>
-        </p:nvSpPr>
-        <p:spPr>
-          <a:xfrm>
-            <a:off x="1403648" y="202332"/>
-            <a:ext cx="6768752" cy="857250"/>
-          </a:xfrm>
-        </p:spPr>
-        <p:txBody>
-          <a:bodyPr>
-            <a:normAutofit/>
-          </a:bodyPr>
-          <a:lstStyle/>
-          <a:p>
-            <a:r>
-              <a:rPr lang="ru-RU" b="1" dirty="0">
-                <a:solidFill>
-                  <a:srgbClr val="7030A0"/>
-                </a:solidFill>
-                <a:cs typeface="Adobe Hebrew" pitchFamily="18" charset="-79"/>
-              </a:rPr>
-              <a:t>Ошибки проекта</a:t>
-            </a:r>
-            <a:endParaRPr lang="ru-RU" sz="3100" dirty="0">
-              <a:solidFill>
-                <a:srgbClr val="7030A0"/>
-              </a:solidFill>
-              <a:cs typeface="Adobe Hebrew" pitchFamily="18" charset="-79"/>
-            </a:endParaRPr>
-          </a:p>
-        </p:txBody>
-      </p:sp>
-      <p:pic>
-        <p:nvPicPr>
-          <p:cNvPr id="5" name="Picture 3"/>
-          <p:cNvPicPr>
-            <a:picLocks noChangeAspect="1" noChangeArrowheads="1"/>
-          </p:cNvPicPr>
-          <p:nvPr/>
-        </p:nvPicPr>
-        <p:blipFill>
-          <a:blip r:embed="rId2" cstate="print">
-            <a:extLst>
-              <a:ext uri="{28A0092B-C50C-407E-A947-70E740481C1C}">
-                <a14:useLocalDpi xmlns:a14="http://schemas.microsoft.com/office/drawing/2010/main" val="0"/>
-              </a:ext>
-            </a:extLst>
-          </a:blip>
-          <a:srcRect/>
-          <a:stretch>
-            <a:fillRect/>
-          </a:stretch>
-        </p:blipFill>
-        <p:spPr bwMode="auto">
-          <a:xfrm>
-            <a:off x="179512" y="1325207"/>
-            <a:ext cx="973574" cy="3795886"/>
-          </a:xfrm>
-          <a:prstGeom prst="rect">
-            <a:avLst/>
-          </a:prstGeom>
-          <a:noFill/>
-          <a:ln>
-            <a:noFill/>
-          </a:ln>
-          <a:effectLst/>
-          <a:extLst>
-            <a:ext uri="{909E8E84-426E-40DD-AFC4-6F175D3DCCD1}">
-              <a14:hiddenFill xmlns:a14="http://schemas.microsoft.com/office/drawing/2010/main">
-                <a:solidFill>
-                  <a:schemeClr val="accent1"/>
-                </a:solidFill>
-              </a14:hiddenFill>
-            </a:ext>
-            <a:ext uri="{91240B29-F687-4F45-9708-019B960494DF}">
-              <a14:hiddenLine xmlns:a14="http://schemas.microsoft.com/office/drawing/2010/main" w="9525">
-                <a:solidFill>
-                  <a:schemeClr val="tx1"/>
-                </a:solidFill>
-                <a:miter lim="800000"/>
-                <a:headEnd/>
-                <a:tailEnd/>
-              </a14:hiddenLine>
-            </a:ext>
-            <a:ext uri="{AF507438-7753-43E0-B8FC-AC1667EBCBE1}">
-              <a14:hiddenEffects xmlns:a14="http://schemas.microsoft.com/office/drawing/2010/main">
-                <a:effectLst>
-                  <a:outerShdw dist="35921" dir="2700000" algn="ctr" rotWithShape="0">
-                    <a:schemeClr val="bg2"/>
-                  </a:outerShdw>
-                </a:effectLst>
-              </a14:hiddenEffects>
-            </a:ext>
-          </a:extLst>
-        </p:spPr>
-      </p:pic>
-      <p:pic>
-        <p:nvPicPr>
-          <p:cNvPr id="11" name="Picture 4"/>
-          <p:cNvPicPr>
-            <a:picLocks noChangeAspect="1" noChangeArrowheads="1"/>
-          </p:cNvPicPr>
-          <p:nvPr/>
-        </p:nvPicPr>
-        <p:blipFill>
-          <a:blip r:embed="rId3">
-            <a:extLst>
-              <a:ext uri="{28A0092B-C50C-407E-A947-70E740481C1C}">
-                <a14:useLocalDpi xmlns:a14="http://schemas.microsoft.com/office/drawing/2010/main" val="0"/>
-              </a:ext>
-            </a:extLst>
-          </a:blip>
-          <a:srcRect/>
-          <a:stretch>
-            <a:fillRect/>
-          </a:stretch>
-        </p:blipFill>
-        <p:spPr bwMode="auto">
-          <a:xfrm>
-            <a:off x="179512" y="10528"/>
-            <a:ext cx="985849" cy="977046"/>
-          </a:xfrm>
-          <a:prstGeom prst="rect">
-            <a:avLst/>
-          </a:prstGeom>
-          <a:noFill/>
-          <a:ln>
-            <a:noFill/>
-          </a:ln>
-          <a:effectLst/>
-          <a:extLst>
-            <a:ext uri="{909E8E84-426E-40DD-AFC4-6F175D3DCCD1}">
-              <a14:hiddenFill xmlns:a14="http://schemas.microsoft.com/office/drawing/2010/main">
-                <a:solidFill>
-                  <a:schemeClr val="accent1"/>
-                </a:solidFill>
-              </a14:hiddenFill>
-            </a:ext>
-            <a:ext uri="{91240B29-F687-4F45-9708-019B960494DF}">
-              <a14:hiddenLine xmlns:a14="http://schemas.microsoft.com/office/drawing/2010/main" w="9525">
-                <a:solidFill>
-                  <a:schemeClr val="tx1"/>
-                </a:solidFill>
-                <a:miter lim="800000"/>
-                <a:headEnd/>
-                <a:tailEnd/>
-              </a14:hiddenLine>
-            </a:ext>
-            <a:ext uri="{AF507438-7753-43E0-B8FC-AC1667EBCBE1}">
-              <a14:hiddenEffects xmlns:a14="http://schemas.microsoft.com/office/drawing/2010/main">
-                <a:effectLst>
-                  <a:outerShdw dist="35921" dir="2700000" algn="ctr" rotWithShape="0">
-                    <a:schemeClr val="bg2"/>
-                  </a:outerShdw>
-                </a:effectLst>
-              </a14:hiddenEffects>
-            </a:ext>
-          </a:extLst>
-        </p:spPr>
-      </p:pic>
-      <p:sp>
-        <p:nvSpPr>
-          <p:cNvPr id="6" name="Заголовок 1"/>
-          <p:cNvSpPr txBox="1">
-            <a:spLocks/>
-          </p:cNvSpPr>
-          <p:nvPr/>
-        </p:nvSpPr>
-        <p:spPr>
-          <a:xfrm>
-            <a:off x="1691680" y="1309682"/>
-            <a:ext cx="6768752" cy="857250"/>
-          </a:xfrm>
-          <a:prstGeom prst="rect">
-            <a:avLst/>
-          </a:prstGeom>
-        </p:spPr>
-        <p:txBody>
-          <a:bodyPr vert="horz" lIns="91440" tIns="45720" rIns="91440" bIns="45720" rtlCol="0" anchor="ctr">
-            <a:normAutofit fontScale="85000" lnSpcReduction="20000"/>
-          </a:bodyPr>
-          <a:lstStyle>
-            <a:lvl1pPr algn="ctr" defTabSz="914400" rtl="0" eaLnBrk="1" latinLnBrk="0" hangingPunct="1">
-              <a:spcBef>
-                <a:spcPct val="0"/>
-              </a:spcBef>
-              <a:buNone/>
-              <a:defRPr sz="4400" kern="1200">
-                <a:solidFill>
-                  <a:schemeClr val="tx1"/>
-                </a:solidFill>
-                <a:latin typeface="+mj-lt"/>
-                <a:ea typeface="+mj-ea"/>
-                <a:cs typeface="+mj-cs"/>
-              </a:defRPr>
-            </a:lvl1pPr>
-          </a:lstStyle>
-          <a:p>
-            <a:pPr algn="l"/>
-            <a:r>
-              <a:rPr lang="ru-RU" sz="2400" dirty="0">
-                <a:solidFill>
-                  <a:schemeClr val="tx1">
-                    <a:lumMod val="75000"/>
-                    <a:lumOff val="25000"/>
-                  </a:schemeClr>
-                </a:solidFill>
-                <a:cs typeface="Adobe Hebrew" pitchFamily="18" charset="-79"/>
-              </a:rPr>
-              <a:t>Какие ошибки (командные, организационные, технологические, теоретические и т.д.) были допущены и как их можно исправить</a:t>
-            </a:r>
-          </a:p>
-        </p:txBody>
-      </p:sp>
-      <p:sp>
-        <p:nvSpPr>
-          <p:cNvPr id="7" name="Прямоугольник 6"/>
-          <p:cNvSpPr/>
-          <p:nvPr/>
-        </p:nvSpPr>
-        <p:spPr>
-          <a:xfrm>
-            <a:off x="7906161" y="26766"/>
-            <a:ext cx="1237839" cy="584775"/>
-          </a:xfrm>
-          <a:prstGeom prst="rect">
-            <a:avLst/>
-          </a:prstGeom>
-        </p:spPr>
-        <p:txBody>
-          <a:bodyPr wrap="none">
-            <a:spAutoFit/>
-          </a:bodyPr>
-          <a:lstStyle/>
-          <a:p>
-            <a:r>
-              <a:rPr lang="ru-RU" sz="3200" b="1" dirty="0">
-                <a:solidFill>
-                  <a:schemeClr val="bg1">
-                    <a:lumMod val="50000"/>
-                  </a:schemeClr>
-                </a:solidFill>
-                <a:cs typeface="Adobe Hebrew" pitchFamily="18" charset="-79"/>
-              </a:rPr>
-              <a:t>№ :00</a:t>
-            </a:r>
-          </a:p>
-        </p:txBody>
-      </p:sp>
-    </p:spTree>
-    <p:extLst>
-      <p:ext uri="{BB962C8B-B14F-4D97-AF65-F5344CB8AC3E}">
-        <p14:creationId xmlns:p14="http://schemas.microsoft.com/office/powerpoint/2010/main" val="853546668"/>
       </p:ext>
     </p:extLst>
   </p:cSld>
